--- a/ppt/中間発表用資料.pptx
+++ b/ppt/中間発表用資料.pptx
@@ -31,7 +31,14 @@
     <p:sldId id="275" r:id="rId25"/>
     <p:sldId id="282" r:id="rId26"/>
     <p:sldId id="285" r:id="rId27"/>
-    <p:sldId id="284" r:id="rId28"/>
+    <p:sldId id="286" r:id="rId28"/>
+    <p:sldId id="287" r:id="rId29"/>
+    <p:sldId id="288" r:id="rId30"/>
+    <p:sldId id="289" r:id="rId31"/>
+    <p:sldId id="290" r:id="rId32"/>
+    <p:sldId id="291" r:id="rId33"/>
+    <p:sldId id="292" r:id="rId34"/>
+    <p:sldId id="284" r:id="rId35"/>
   </p:sldIdLst>
   <p:sldSz cx="12192000" cy="6858000"/>
   <p:notesSz cx="6858000" cy="9144000"/>
@@ -3886,11 +3893,11 @@
         </c:dLbls>
         <c:marker val="1"/>
         <c:smooth val="0"/>
-        <c:axId val="139426792"/>
-        <c:axId val="139429144"/>
+        <c:axId val="253500472"/>
+        <c:axId val="254572896"/>
       </c:lineChart>
       <c:catAx>
-        <c:axId val="139426792"/>
+        <c:axId val="253500472"/>
         <c:scaling>
           <c:orientation val="minMax"/>
         </c:scaling>
@@ -3993,7 +4000,7 @@
             <a:endParaRPr lang="ja-JP"/>
           </a:p>
         </c:txPr>
-        <c:crossAx val="139429144"/>
+        <c:crossAx val="254572896"/>
         <c:crosses val="autoZero"/>
         <c:auto val="1"/>
         <c:lblAlgn val="ctr"/>
@@ -4002,7 +4009,7 @@
         <c:noMultiLvlLbl val="0"/>
       </c:catAx>
       <c:valAx>
-        <c:axId val="139429144"/>
+        <c:axId val="254572896"/>
         <c:scaling>
           <c:orientation val="minMax"/>
         </c:scaling>
@@ -4121,7 +4128,7 @@
             <a:endParaRPr lang="ja-JP"/>
           </a:p>
         </c:txPr>
-        <c:crossAx val="139426792"/>
+        <c:crossAx val="253500472"/>
         <c:crosses val="autoZero"/>
         <c:crossBetween val="between"/>
       </c:valAx>
@@ -4409,11 +4416,11 @@
         </c:dLbls>
         <c:gapWidth val="219"/>
         <c:overlap val="-27"/>
-        <c:axId val="139429928"/>
-        <c:axId val="139430320"/>
+        <c:axId val="255024712"/>
+        <c:axId val="254626544"/>
       </c:barChart>
       <c:catAx>
-        <c:axId val="139429928"/>
+        <c:axId val="255024712"/>
         <c:scaling>
           <c:orientation val="minMax"/>
         </c:scaling>
@@ -4450,7 +4457,6 @@
               </a:p>
             </c:rich>
           </c:tx>
-          <c:layout/>
           <c:overlay val="0"/>
           <c:spPr>
             <a:noFill/>
@@ -4517,7 +4523,7 @@
             <a:endParaRPr lang="ja-JP"/>
           </a:p>
         </c:txPr>
-        <c:crossAx val="139430320"/>
+        <c:crossAx val="254626544"/>
         <c:crosses val="autoZero"/>
         <c:auto val="1"/>
         <c:lblAlgn val="ctr"/>
@@ -4526,7 +4532,7 @@
         <c:noMultiLvlLbl val="0"/>
       </c:catAx>
       <c:valAx>
-        <c:axId val="139430320"/>
+        <c:axId val="254626544"/>
         <c:scaling>
           <c:orientation val="minMax"/>
         </c:scaling>
@@ -4577,7 +4583,6 @@
               </a:p>
             </c:rich>
           </c:tx>
-          <c:layout/>
           <c:overlay val="0"/>
           <c:spPr>
             <a:noFill/>
@@ -4638,7 +4643,7 @@
             <a:endParaRPr lang="ja-JP"/>
           </a:p>
         </c:txPr>
-        <c:crossAx val="139429928"/>
+        <c:crossAx val="255024712"/>
         <c:crosses val="autoZero"/>
         <c:crossBetween val="between"/>
       </c:valAx>
@@ -5894,7 +5899,7 @@
           <a:p>
             <a:fld id="{BFF3AF3C-B80F-4EF1-965B-CF1E5C99B714}" type="datetimeFigureOut">
               <a:rPr kumimoji="1" lang="ja-JP" altLang="en-US" smtClean="0"/>
-              <a:t>2015/4/9</a:t>
+              <a:t>2015/4/10</a:t>
             </a:fld>
             <a:endParaRPr kumimoji="1" lang="ja-JP" altLang="en-US"/>
           </a:p>
@@ -6096,7 +6101,7 @@
           <a:p>
             <a:fld id="{BFF3AF3C-B80F-4EF1-965B-CF1E5C99B714}" type="datetimeFigureOut">
               <a:rPr kumimoji="1" lang="ja-JP" altLang="en-US" smtClean="0"/>
-              <a:t>2015/4/9</a:t>
+              <a:t>2015/4/10</a:t>
             </a:fld>
             <a:endParaRPr kumimoji="1" lang="ja-JP" altLang="en-US"/>
           </a:p>
@@ -6308,7 +6313,7 @@
           <a:p>
             <a:fld id="{BFF3AF3C-B80F-4EF1-965B-CF1E5C99B714}" type="datetimeFigureOut">
               <a:rPr kumimoji="1" lang="ja-JP" altLang="en-US" smtClean="0"/>
-              <a:t>2015/4/9</a:t>
+              <a:t>2015/4/10</a:t>
             </a:fld>
             <a:endParaRPr kumimoji="1" lang="ja-JP" altLang="en-US"/>
           </a:p>
@@ -6510,7 +6515,7 @@
           <a:p>
             <a:fld id="{BFF3AF3C-B80F-4EF1-965B-CF1E5C99B714}" type="datetimeFigureOut">
               <a:rPr kumimoji="1" lang="ja-JP" altLang="en-US" smtClean="0"/>
-              <a:t>2015/4/9</a:t>
+              <a:t>2015/4/10</a:t>
             </a:fld>
             <a:endParaRPr kumimoji="1" lang="ja-JP" altLang="en-US"/>
           </a:p>
@@ -6756,7 +6761,7 @@
           <a:p>
             <a:fld id="{BFF3AF3C-B80F-4EF1-965B-CF1E5C99B714}" type="datetimeFigureOut">
               <a:rPr kumimoji="1" lang="ja-JP" altLang="en-US" smtClean="0"/>
-              <a:t>2015/4/9</a:t>
+              <a:t>2015/4/10</a:t>
             </a:fld>
             <a:endParaRPr kumimoji="1" lang="ja-JP" altLang="en-US"/>
           </a:p>
@@ -7052,7 +7057,7 @@
           <a:p>
             <a:fld id="{BFF3AF3C-B80F-4EF1-965B-CF1E5C99B714}" type="datetimeFigureOut">
               <a:rPr kumimoji="1" lang="ja-JP" altLang="en-US" smtClean="0"/>
-              <a:t>2015/4/9</a:t>
+              <a:t>2015/4/10</a:t>
             </a:fld>
             <a:endParaRPr kumimoji="1" lang="ja-JP" altLang="en-US"/>
           </a:p>
@@ -7483,7 +7488,7 @@
           <a:p>
             <a:fld id="{BFF3AF3C-B80F-4EF1-965B-CF1E5C99B714}" type="datetimeFigureOut">
               <a:rPr kumimoji="1" lang="ja-JP" altLang="en-US" smtClean="0"/>
-              <a:t>2015/4/9</a:t>
+              <a:t>2015/4/10</a:t>
             </a:fld>
             <a:endParaRPr kumimoji="1" lang="ja-JP" altLang="en-US"/>
           </a:p>
@@ -7601,7 +7606,7 @@
           <a:p>
             <a:fld id="{BFF3AF3C-B80F-4EF1-965B-CF1E5C99B714}" type="datetimeFigureOut">
               <a:rPr kumimoji="1" lang="ja-JP" altLang="en-US" smtClean="0"/>
-              <a:t>2015/4/9</a:t>
+              <a:t>2015/4/10</a:t>
             </a:fld>
             <a:endParaRPr kumimoji="1" lang="ja-JP" altLang="en-US"/>
           </a:p>
@@ -7696,7 +7701,7 @@
           <a:p>
             <a:fld id="{BFF3AF3C-B80F-4EF1-965B-CF1E5C99B714}" type="datetimeFigureOut">
               <a:rPr kumimoji="1" lang="ja-JP" altLang="en-US" smtClean="0"/>
-              <a:t>2015/4/9</a:t>
+              <a:t>2015/4/10</a:t>
             </a:fld>
             <a:endParaRPr kumimoji="1" lang="ja-JP" altLang="en-US"/>
           </a:p>
@@ -8005,7 +8010,7 @@
           <a:p>
             <a:fld id="{BFF3AF3C-B80F-4EF1-965B-CF1E5C99B714}" type="datetimeFigureOut">
               <a:rPr kumimoji="1" lang="ja-JP" altLang="en-US" smtClean="0"/>
-              <a:t>2015/4/9</a:t>
+              <a:t>2015/4/10</a:t>
             </a:fld>
             <a:endParaRPr kumimoji="1" lang="ja-JP" altLang="en-US"/>
           </a:p>
@@ -8262,7 +8267,7 @@
           <a:p>
             <a:fld id="{BFF3AF3C-B80F-4EF1-965B-CF1E5C99B714}" type="datetimeFigureOut">
               <a:rPr kumimoji="1" lang="ja-JP" altLang="en-US" smtClean="0"/>
-              <a:t>2015/4/9</a:t>
+              <a:t>2015/4/10</a:t>
             </a:fld>
             <a:endParaRPr kumimoji="1" lang="ja-JP" altLang="en-US"/>
           </a:p>
@@ -8507,7 +8512,7 @@
           <a:p>
             <a:fld id="{BFF3AF3C-B80F-4EF1-965B-CF1E5C99B714}" type="datetimeFigureOut">
               <a:rPr kumimoji="1" lang="ja-JP" altLang="en-US" smtClean="0"/>
-              <a:t>2015/4/9</a:t>
+              <a:t>2015/4/10</a:t>
             </a:fld>
             <a:endParaRPr kumimoji="1" lang="ja-JP" altLang="en-US"/>
           </a:p>
@@ -10017,7 +10022,6 @@
                 <a:rPr lang="ja-JP" altLang="en-US" sz="2400" dirty="0"/>
                 <a:t>経路</a:t>
               </a:r>
-              <a:endParaRPr lang="ja-JP" altLang="en-US" sz="2400" dirty="0"/>
             </a:p>
           </p:txBody>
         </p:sp>
@@ -10049,7 +10053,6 @@
                 <a:rPr lang="ja-JP" altLang="en-US" sz="2400" dirty="0"/>
                 <a:t>通過検知ゲート</a:t>
               </a:r>
-              <a:endParaRPr lang="ja-JP" altLang="en-US" sz="2400" dirty="0"/>
             </a:p>
           </p:txBody>
         </p:sp>
@@ -11485,11 +11488,7 @@
               <a:p>
                 <a:r>
                   <a:rPr lang="en-US" altLang="ja-JP" sz="3200" dirty="0"/>
-                  <a:t>a[Hz</a:t>
-                </a:r>
-                <a:r>
-                  <a:rPr lang="en-US" altLang="ja-JP" sz="3200" dirty="0"/>
-                  <a:t>]</a:t>
+                  <a:t>a[Hz]</a:t>
                 </a:r>
                 <a:endParaRPr lang="ja-JP" altLang="en-US" sz="3200" dirty="0"/>
               </a:p>
@@ -11519,15 +11518,7 @@
               <a:p>
                 <a:r>
                   <a:rPr lang="en-US" altLang="ja-JP" sz="3200" dirty="0"/>
-                  <a:t>b</a:t>
-                </a:r>
-                <a:r>
-                  <a:rPr lang="en-US" altLang="ja-JP" sz="3200" dirty="0"/>
-                  <a:t>[Hz</a:t>
-                </a:r>
-                <a:r>
-                  <a:rPr lang="en-US" altLang="ja-JP" sz="3200" dirty="0"/>
-                  <a:t>]</a:t>
+                  <a:t>b[Hz]</a:t>
                 </a:r>
                 <a:endParaRPr lang="ja-JP" altLang="en-US" sz="3200" dirty="0"/>
               </a:p>
@@ -13131,15 +13122,7 @@
                     <a:schemeClr val="tx1"/>
                   </a:solidFill>
                 </a:rPr>
-                <a:t>複</a:t>
-              </a:r>
-              <a:r>
-                <a:rPr lang="ja-JP" altLang="en-US" sz="3600" dirty="0">
-                  <a:solidFill>
-                    <a:schemeClr val="tx1"/>
-                  </a:solidFill>
-                </a:rPr>
-                <a:t>数人の通過検出</a:t>
+                <a:t>複数人の通過検出</a:t>
               </a:r>
               <a:endParaRPr lang="en-US" altLang="ja-JP" sz="3600" dirty="0">
                 <a:solidFill>
@@ -13323,13 +13306,8 @@
               <a:pPr algn="ctr"/>
               <a:r>
                 <a:rPr lang="ja-JP" altLang="en-US" sz="4800" b="1" dirty="0"/>
-                <a:t>今後</a:t>
+                <a:t>今後の課題</a:t>
               </a:r>
-              <a:r>
-                <a:rPr lang="ja-JP" altLang="en-US" sz="4800" b="1" dirty="0"/>
-                <a:t>の課題</a:t>
-              </a:r>
-              <a:endParaRPr lang="ja-JP" altLang="en-US" sz="4800" b="1" dirty="0"/>
             </a:p>
           </p:txBody>
         </p:sp>
@@ -13899,11 +13877,7 @@
             <a:p>
               <a:r>
                 <a:rPr lang="en-US" altLang="ja-JP" dirty="0"/>
-                <a:t>5</a:t>
-              </a:r>
-              <a:r>
-                <a:rPr lang="en-US" altLang="ja-JP" dirty="0"/>
-                <a:t>Hz</a:t>
+                <a:t>5Hz</a:t>
               </a:r>
               <a:endParaRPr lang="ja-JP" altLang="en-US" dirty="0"/>
             </a:p>
@@ -16955,7 +16929,6 @@
                     <a:rPr lang="ja-JP" altLang="en-US" sz="2400" dirty="0"/>
                     <a:t>主成分分析</a:t>
                   </a:r>
-                  <a:endParaRPr lang="ja-JP" altLang="en-US" sz="2400" dirty="0"/>
                 </a:p>
               </p:txBody>
             </p:sp>
@@ -17010,7 +16983,6 @@
                     <a:rPr lang="ja-JP" altLang="en-US" sz="2400" dirty="0"/>
                     <a:t>フィルタ</a:t>
                   </a:r>
-                  <a:endParaRPr lang="ja-JP" altLang="en-US" sz="2400" dirty="0"/>
                 </a:p>
               </p:txBody>
             </p:sp>
@@ -17099,7 +17071,6 @@
                     <a:rPr lang="ja-JP" altLang="en-US" sz="2400" dirty="0"/>
                     <a:t>ラベル分け</a:t>
                   </a:r>
-                  <a:endParaRPr lang="ja-JP" altLang="en-US" sz="2400" dirty="0"/>
                 </a:p>
               </p:txBody>
             </p:sp>
@@ -17186,7 +17157,6 @@
                     <a:rPr lang="ja-JP" altLang="en-US" sz="2400" dirty="0"/>
                     <a:t>データ調整</a:t>
                   </a:r>
-                  <a:endParaRPr lang="ja-JP" altLang="en-US" sz="2400" dirty="0"/>
                 </a:p>
               </p:txBody>
             </p:sp>
@@ -17656,7 +17626,6 @@
                     <a:rPr lang="ja-JP" altLang="en-US" sz="2400" dirty="0"/>
                     <a:t>閾値フィルタ</a:t>
                   </a:r>
-                  <a:endParaRPr lang="ja-JP" altLang="en-US" sz="2400" dirty="0"/>
                 </a:p>
               </p:txBody>
             </p:sp>
@@ -17850,7 +17819,6 @@
                 <a:rPr lang="ja-JP" altLang="en-US" sz="2800" dirty="0"/>
                 <a:t>検出アルゴリズム</a:t>
               </a:r>
-              <a:endParaRPr lang="ja-JP" altLang="en-US" sz="2800" dirty="0"/>
             </a:p>
           </p:txBody>
         </p:sp>
@@ -17972,7 +17940,6 @@
               <a:rPr lang="ja-JP" altLang="en-US" sz="2400" dirty="0"/>
               <a:t>主成分分析</a:t>
             </a:r>
-            <a:endParaRPr lang="ja-JP" altLang="en-US" sz="2400" dirty="0"/>
           </a:p>
         </p:txBody>
       </p:sp>
@@ -18027,7 +17994,6 @@
               <a:rPr lang="ja-JP" altLang="en-US" sz="2400" dirty="0"/>
               <a:t>フィルタ</a:t>
             </a:r>
-            <a:endParaRPr lang="ja-JP" altLang="en-US" sz="2400" dirty="0"/>
           </a:p>
         </p:txBody>
       </p:sp>
@@ -18114,7 +18080,6 @@
               <a:rPr lang="ja-JP" altLang="en-US" sz="2400" dirty="0"/>
               <a:t>データ調整</a:t>
             </a:r>
-            <a:endParaRPr lang="ja-JP" altLang="en-US" sz="2400" dirty="0"/>
           </a:p>
         </p:txBody>
       </p:sp>
@@ -18567,7 +18532,6 @@
               <a:rPr lang="ja-JP" altLang="en-US" sz="2800" dirty="0"/>
               <a:t>検出アルゴリズム</a:t>
             </a:r>
-            <a:endParaRPr lang="ja-JP" altLang="en-US" sz="2800" dirty="0"/>
           </a:p>
         </p:txBody>
       </p:sp>
@@ -18626,7 +18590,6 @@
               <a:rPr lang="ja-JP" altLang="en-US" sz="2400" dirty="0"/>
               <a:t>フィルタ</a:t>
             </a:r>
-            <a:endParaRPr lang="ja-JP" altLang="en-US" sz="2400" dirty="0"/>
           </a:p>
         </p:txBody>
       </p:sp>
@@ -18697,7 +18660,6 @@
               <a:rPr lang="ja-JP" altLang="en-US" sz="2400" dirty="0"/>
               <a:t>閾値フィルタ</a:t>
             </a:r>
-            <a:endParaRPr lang="ja-JP" altLang="en-US" sz="2400" dirty="0"/>
           </a:p>
         </p:txBody>
       </p:sp>
@@ -18839,7 +18801,6 @@
                 <a:rPr lang="ja-JP" altLang="en-US" sz="2400" dirty="0"/>
                 <a:t>ラベル分け</a:t>
               </a:r>
-              <a:endParaRPr lang="ja-JP" altLang="en-US" sz="2400" dirty="0"/>
             </a:p>
           </p:txBody>
         </p:sp>
@@ -18874,7 +18835,6 @@
                 <a:rPr lang="ja-JP" altLang="en-US" sz="2400" dirty="0"/>
                 <a:t>閾値フィルタ</a:t>
               </a:r>
-              <a:endParaRPr lang="ja-JP" altLang="en-US" sz="2400" dirty="0"/>
             </a:p>
           </p:txBody>
         </p:sp>
@@ -19184,6 +19144,44 @@
       </p:grpSpPr>
       <p:sp>
         <p:nvSpPr>
+          <p:cNvPr id="26" name="正方形/長方形 25"/>
+          <p:cNvSpPr/>
+          <p:nvPr/>
+        </p:nvSpPr>
+        <p:spPr>
+          <a:xfrm>
+            <a:off x="7856113" y="4881093"/>
+            <a:ext cx="978795" cy="1712890"/>
+          </a:xfrm>
+          <a:prstGeom prst="rect">
+            <a:avLst/>
+          </a:prstGeom>
+        </p:spPr>
+        <p:style>
+          <a:lnRef idx="1">
+            <a:schemeClr val="accent4"/>
+          </a:lnRef>
+          <a:fillRef idx="2">
+            <a:schemeClr val="accent4"/>
+          </a:fillRef>
+          <a:effectRef idx="1">
+            <a:schemeClr val="accent4"/>
+          </a:effectRef>
+          <a:fontRef idx="minor">
+            <a:schemeClr val="dk1"/>
+          </a:fontRef>
+        </p:style>
+        <p:txBody>
+          <a:bodyPr rtlCol="0" anchor="ctr"/>
+          <a:lstStyle/>
+          <a:p>
+            <a:pPr algn="ctr"/>
+            <a:endParaRPr kumimoji="1" lang="ja-JP" altLang="en-US"/>
+          </a:p>
+        </p:txBody>
+      </p:sp>
+      <p:sp>
+        <p:nvSpPr>
           <p:cNvPr id="2" name="タイトル 1"/>
           <p:cNvSpPr>
             <a:spLocks noGrp="1"/>
@@ -19356,53 +19354,13 @@
               <a:buChar char="p"/>
             </a:pPr>
             <a:r>
-              <a:rPr lang="ja-JP" altLang="en-US" dirty="0" smtClean="0"/>
-              <a:t>１</a:t>
-            </a:r>
-            <a:r>
-              <a:rPr lang="ja-JP" altLang="en-US" dirty="0"/>
-              <a:t>秒間</a:t>
-            </a:r>
-            <a:r>
-              <a:rPr lang="ja-JP" altLang="en-US" dirty="0" smtClean="0"/>
-              <a:t>の平均値</a:t>
-            </a:r>
-            <a:endParaRPr lang="en-US" altLang="ja-JP" dirty="0"/>
-          </a:p>
-          <a:p>
-            <a:pPr lvl="2">
-              <a:buClr>
-                <a:schemeClr val="accent1"/>
-              </a:buClr>
-              <a:buFont typeface="Wingdings" panose="05000000000000000000" pitchFamily="2" charset="2"/>
-              <a:buChar char="p"/>
-            </a:pPr>
-            <a:r>
-              <a:rPr lang="en-US" altLang="ja-JP" dirty="0" smtClean="0"/>
-              <a:t>0.1</a:t>
-            </a:r>
-            <a:r>
-              <a:rPr lang="ja-JP" altLang="en-US" dirty="0" smtClean="0"/>
-              <a:t>秒間の平均値が</a:t>
-            </a:r>
-            <a:r>
-              <a:rPr lang="en-US" altLang="ja-JP" dirty="0" smtClean="0"/>
-              <a:t>10</a:t>
-            </a:r>
-            <a:r>
-              <a:rPr lang="ja-JP" altLang="en-US" dirty="0" smtClean="0"/>
-              <a:t>回閾値を超えるか</a:t>
-            </a:r>
-            <a:endParaRPr lang="en-US" altLang="ja-JP" dirty="0" smtClean="0"/>
-          </a:p>
-          <a:p>
-            <a:pPr lvl="2">
-              <a:buClr>
-                <a:schemeClr val="accent1"/>
-              </a:buClr>
-              <a:buFont typeface="Wingdings" panose="05000000000000000000" pitchFamily="2" charset="2"/>
-              <a:buChar char="p"/>
-            </a:pPr>
+              <a:rPr kumimoji="1" lang="en-US" altLang="ja-JP" dirty="0" smtClean="0"/>
+              <a:t>64</a:t>
+            </a:r>
+            <a:r>
+              <a:rPr kumimoji="1" lang="ja-JP" altLang="en-US" dirty="0" smtClean="0"/>
+              <a:t>サンプルの平均値が閾値を超えるか</a:t>
+            </a:r>
             <a:endParaRPr kumimoji="1" lang="ja-JP" altLang="en-US" dirty="0"/>
           </a:p>
         </p:txBody>
@@ -19429,7 +19387,7 @@
         </p:blipFill>
         <p:spPr>
           <a:xfrm>
-            <a:off x="8587249" y="4560216"/>
+            <a:off x="8469684" y="-47436"/>
             <a:ext cx="3475790" cy="2297784"/>
           </a:xfrm>
           <a:prstGeom prst="rect">
@@ -19437,6 +19395,565 @@
           </a:prstGeom>
         </p:spPr>
       </p:pic>
+      <p:pic>
+        <p:nvPicPr>
+          <p:cNvPr id="5" name="図 4"/>
+          <p:cNvPicPr>
+            <a:picLocks noChangeAspect="1"/>
+          </p:cNvPicPr>
+          <p:nvPr/>
+        </p:nvPicPr>
+        <p:blipFill rotWithShape="1">
+          <a:blip r:embed="rId3">
+            <a:clrChange>
+              <a:clrFrom>
+                <a:srgbClr val="FFFFFF"/>
+              </a:clrFrom>
+              <a:clrTo>
+                <a:srgbClr val="FFFFFF">
+                  <a:alpha val="0"/>
+                </a:srgbClr>
+              </a:clrTo>
+            </a:clrChange>
+          </a:blip>
+          <a:srcRect l="2164" t="2430" r="2817" b="2797"/>
+          <a:stretch/>
+        </p:blipFill>
+        <p:spPr>
+          <a:xfrm>
+            <a:off x="6463911" y="5087155"/>
+            <a:ext cx="4340181" cy="1506828"/>
+          </a:xfrm>
+          <a:prstGeom prst="rect">
+            <a:avLst/>
+          </a:prstGeom>
+        </p:spPr>
+      </p:pic>
+      <p:cxnSp>
+        <p:nvCxnSpPr>
+          <p:cNvPr id="7" name="直線矢印コネクタ 6"/>
+          <p:cNvCxnSpPr/>
+          <p:nvPr/>
+        </p:nvCxnSpPr>
+        <p:spPr>
+          <a:xfrm>
+            <a:off x="6463911" y="6606862"/>
+            <a:ext cx="4340181" cy="0"/>
+          </a:xfrm>
+          <a:prstGeom prst="straightConnector1">
+            <a:avLst/>
+          </a:prstGeom>
+          <a:ln>
+            <a:tailEnd type="triangle"/>
+          </a:ln>
+        </p:spPr>
+        <p:style>
+          <a:lnRef idx="3">
+            <a:schemeClr val="dk1"/>
+          </a:lnRef>
+          <a:fillRef idx="0">
+            <a:schemeClr val="dk1"/>
+          </a:fillRef>
+          <a:effectRef idx="2">
+            <a:schemeClr val="dk1"/>
+          </a:effectRef>
+          <a:fontRef idx="minor">
+            <a:schemeClr val="tx1"/>
+          </a:fontRef>
+        </p:style>
+      </p:cxnSp>
+      <p:cxnSp>
+        <p:nvCxnSpPr>
+          <p:cNvPr id="9" name="直線矢印コネクタ 8"/>
+          <p:cNvCxnSpPr/>
+          <p:nvPr/>
+        </p:nvCxnSpPr>
+        <p:spPr>
+          <a:xfrm flipV="1">
+            <a:off x="6463911" y="4893972"/>
+            <a:ext cx="0" cy="1712890"/>
+          </a:xfrm>
+          <a:prstGeom prst="straightConnector1">
+            <a:avLst/>
+          </a:prstGeom>
+          <a:ln>
+            <a:tailEnd type="triangle"/>
+          </a:ln>
+        </p:spPr>
+        <p:style>
+          <a:lnRef idx="3">
+            <a:schemeClr val="dk1"/>
+          </a:lnRef>
+          <a:fillRef idx="0">
+            <a:schemeClr val="dk1"/>
+          </a:fillRef>
+          <a:effectRef idx="2">
+            <a:schemeClr val="dk1"/>
+          </a:effectRef>
+          <a:fontRef idx="minor">
+            <a:schemeClr val="tx1"/>
+          </a:fontRef>
+        </p:style>
+      </p:cxnSp>
+      <p:sp>
+        <p:nvSpPr>
+          <p:cNvPr id="10" name="テキスト ボックス 9"/>
+          <p:cNvSpPr txBox="1"/>
+          <p:nvPr/>
+        </p:nvSpPr>
+        <p:spPr>
+          <a:xfrm>
+            <a:off x="6149345" y="6422197"/>
+            <a:ext cx="301686" cy="369332"/>
+          </a:xfrm>
+          <a:prstGeom prst="rect">
+            <a:avLst/>
+          </a:prstGeom>
+          <a:noFill/>
+        </p:spPr>
+        <p:txBody>
+          <a:bodyPr wrap="none" rtlCol="0">
+            <a:spAutoFit/>
+          </a:bodyPr>
+          <a:lstStyle/>
+          <a:p>
+            <a:r>
+              <a:rPr kumimoji="1" lang="en-US" altLang="ja-JP" dirty="0" smtClean="0"/>
+              <a:t>0</a:t>
+            </a:r>
+            <a:endParaRPr kumimoji="1" lang="ja-JP" altLang="en-US" dirty="0"/>
+          </a:p>
+        </p:txBody>
+      </p:sp>
+      <p:sp>
+        <p:nvSpPr>
+          <p:cNvPr id="11" name="テキスト ボックス 10"/>
+          <p:cNvSpPr txBox="1"/>
+          <p:nvPr/>
+        </p:nvSpPr>
+        <p:spPr>
+          <a:xfrm>
+            <a:off x="6114410" y="4743581"/>
+            <a:ext cx="301686" cy="369332"/>
+          </a:xfrm>
+          <a:prstGeom prst="rect">
+            <a:avLst/>
+          </a:prstGeom>
+          <a:noFill/>
+        </p:spPr>
+        <p:txBody>
+          <a:bodyPr wrap="none" rtlCol="0">
+            <a:spAutoFit/>
+          </a:bodyPr>
+          <a:lstStyle/>
+          <a:p>
+            <a:r>
+              <a:rPr kumimoji="1" lang="en-US" altLang="ja-JP" dirty="0" smtClean="0"/>
+              <a:t>8</a:t>
+            </a:r>
+            <a:endParaRPr kumimoji="1" lang="ja-JP" altLang="en-US" dirty="0"/>
+          </a:p>
+        </p:txBody>
+      </p:sp>
+      <p:sp>
+        <p:nvSpPr>
+          <p:cNvPr id="12" name="テキスト ボックス 11"/>
+          <p:cNvSpPr txBox="1"/>
+          <p:nvPr/>
+        </p:nvSpPr>
+        <p:spPr>
+          <a:xfrm>
+            <a:off x="10748876" y="6488668"/>
+            <a:ext cx="301686" cy="369332"/>
+          </a:xfrm>
+          <a:prstGeom prst="rect">
+            <a:avLst/>
+          </a:prstGeom>
+          <a:noFill/>
+        </p:spPr>
+        <p:txBody>
+          <a:bodyPr wrap="none" rtlCol="0">
+            <a:spAutoFit/>
+          </a:bodyPr>
+          <a:lstStyle/>
+          <a:p>
+            <a:r>
+              <a:rPr kumimoji="1" lang="en-US" altLang="ja-JP" dirty="0" smtClean="0"/>
+              <a:t>8</a:t>
+            </a:r>
+            <a:endParaRPr kumimoji="1" lang="ja-JP" altLang="en-US" dirty="0"/>
+          </a:p>
+        </p:txBody>
+      </p:sp>
+      <p:sp>
+        <p:nvSpPr>
+          <p:cNvPr id="13" name="テキスト ボックス 12"/>
+          <p:cNvSpPr txBox="1"/>
+          <p:nvPr/>
+        </p:nvSpPr>
+        <p:spPr>
+          <a:xfrm>
+            <a:off x="6304074" y="4574371"/>
+            <a:ext cx="423514" cy="369332"/>
+          </a:xfrm>
+          <a:prstGeom prst="rect">
+            <a:avLst/>
+          </a:prstGeom>
+          <a:noFill/>
+        </p:spPr>
+        <p:txBody>
+          <a:bodyPr wrap="none" rtlCol="0">
+            <a:spAutoFit/>
+          </a:bodyPr>
+          <a:lstStyle/>
+          <a:p>
+            <a:r>
+              <a:rPr lang="en-US" altLang="ja-JP" dirty="0" err="1" smtClean="0"/>
+              <a:t>μT</a:t>
+            </a:r>
+            <a:endParaRPr kumimoji="1" lang="ja-JP" altLang="en-US" dirty="0"/>
+          </a:p>
+        </p:txBody>
+      </p:sp>
+      <p:cxnSp>
+        <p:nvCxnSpPr>
+          <p:cNvPr id="15" name="直線コネクタ 14"/>
+          <p:cNvCxnSpPr/>
+          <p:nvPr/>
+        </p:nvCxnSpPr>
+        <p:spPr>
+          <a:xfrm>
+            <a:off x="6463911" y="6176963"/>
+            <a:ext cx="4284965" cy="0"/>
+          </a:xfrm>
+          <a:prstGeom prst="line">
+            <a:avLst/>
+          </a:prstGeom>
+          <a:ln>
+            <a:solidFill>
+              <a:srgbClr val="FF0000"/>
+            </a:solidFill>
+          </a:ln>
+        </p:spPr>
+        <p:style>
+          <a:lnRef idx="1">
+            <a:schemeClr val="accent1"/>
+          </a:lnRef>
+          <a:fillRef idx="0">
+            <a:schemeClr val="accent1"/>
+          </a:fillRef>
+          <a:effectRef idx="0">
+            <a:schemeClr val="accent1"/>
+          </a:effectRef>
+          <a:fontRef idx="minor">
+            <a:schemeClr val="tx1"/>
+          </a:fontRef>
+        </p:style>
+      </p:cxnSp>
+      <p:sp>
+        <p:nvSpPr>
+          <p:cNvPr id="16" name="テキスト ボックス 15"/>
+          <p:cNvSpPr txBox="1"/>
+          <p:nvPr/>
+        </p:nvSpPr>
+        <p:spPr>
+          <a:xfrm>
+            <a:off x="10797844" y="5955532"/>
+            <a:ext cx="646331" cy="369332"/>
+          </a:xfrm>
+          <a:prstGeom prst="rect">
+            <a:avLst/>
+          </a:prstGeom>
+          <a:noFill/>
+        </p:spPr>
+        <p:txBody>
+          <a:bodyPr wrap="none" rtlCol="0">
+            <a:spAutoFit/>
+          </a:bodyPr>
+          <a:lstStyle/>
+          <a:p>
+            <a:r>
+              <a:rPr lang="ja-JP" altLang="en-US" dirty="0"/>
+              <a:t>閾値</a:t>
+            </a:r>
+            <a:endParaRPr kumimoji="1" lang="ja-JP" altLang="en-US" dirty="0"/>
+          </a:p>
+        </p:txBody>
+      </p:sp>
+      <p:pic>
+        <p:nvPicPr>
+          <p:cNvPr id="17" name="図 16"/>
+          <p:cNvPicPr>
+            <a:picLocks noChangeAspect="1"/>
+          </p:cNvPicPr>
+          <p:nvPr/>
+        </p:nvPicPr>
+        <p:blipFill rotWithShape="1">
+          <a:blip r:embed="rId4"/>
+          <a:srcRect l="3175" t="4365" r="2291" b="49807"/>
+          <a:stretch/>
+        </p:blipFill>
+        <p:spPr>
+          <a:xfrm>
+            <a:off x="1134897" y="5081983"/>
+            <a:ext cx="2663126" cy="1512000"/>
+          </a:xfrm>
+          <a:prstGeom prst="rect">
+            <a:avLst/>
+          </a:prstGeom>
+        </p:spPr>
+      </p:pic>
+      <p:cxnSp>
+        <p:nvCxnSpPr>
+          <p:cNvPr id="18" name="直線矢印コネクタ 17"/>
+          <p:cNvCxnSpPr/>
+          <p:nvPr/>
+        </p:nvCxnSpPr>
+        <p:spPr>
+          <a:xfrm>
+            <a:off x="1122016" y="6593983"/>
+            <a:ext cx="2883314" cy="0"/>
+          </a:xfrm>
+          <a:prstGeom prst="straightConnector1">
+            <a:avLst/>
+          </a:prstGeom>
+          <a:ln>
+            <a:tailEnd type="triangle"/>
+          </a:ln>
+        </p:spPr>
+        <p:style>
+          <a:lnRef idx="3">
+            <a:schemeClr val="dk1"/>
+          </a:lnRef>
+          <a:fillRef idx="0">
+            <a:schemeClr val="dk1"/>
+          </a:fillRef>
+          <a:effectRef idx="2">
+            <a:schemeClr val="dk1"/>
+          </a:effectRef>
+          <a:fontRef idx="minor">
+            <a:schemeClr val="tx1"/>
+          </a:fontRef>
+        </p:style>
+      </p:cxnSp>
+      <p:cxnSp>
+        <p:nvCxnSpPr>
+          <p:cNvPr id="19" name="直線矢印コネクタ 18"/>
+          <p:cNvCxnSpPr/>
+          <p:nvPr/>
+        </p:nvCxnSpPr>
+        <p:spPr>
+          <a:xfrm flipV="1">
+            <a:off x="1122016" y="4881093"/>
+            <a:ext cx="0" cy="1712890"/>
+          </a:xfrm>
+          <a:prstGeom prst="straightConnector1">
+            <a:avLst/>
+          </a:prstGeom>
+          <a:ln>
+            <a:tailEnd type="triangle"/>
+          </a:ln>
+        </p:spPr>
+        <p:style>
+          <a:lnRef idx="3">
+            <a:schemeClr val="dk1"/>
+          </a:lnRef>
+          <a:fillRef idx="0">
+            <a:schemeClr val="dk1"/>
+          </a:fillRef>
+          <a:effectRef idx="2">
+            <a:schemeClr val="dk1"/>
+          </a:effectRef>
+          <a:fontRef idx="minor">
+            <a:schemeClr val="tx1"/>
+          </a:fontRef>
+        </p:style>
+      </p:cxnSp>
+      <p:sp>
+        <p:nvSpPr>
+          <p:cNvPr id="20" name="テキスト ボックス 19"/>
+          <p:cNvSpPr txBox="1"/>
+          <p:nvPr/>
+        </p:nvSpPr>
+        <p:spPr>
+          <a:xfrm>
+            <a:off x="807450" y="6409318"/>
+            <a:ext cx="301686" cy="369332"/>
+          </a:xfrm>
+          <a:prstGeom prst="rect">
+            <a:avLst/>
+          </a:prstGeom>
+          <a:noFill/>
+        </p:spPr>
+        <p:txBody>
+          <a:bodyPr wrap="none" rtlCol="0">
+            <a:spAutoFit/>
+          </a:bodyPr>
+          <a:lstStyle/>
+          <a:p>
+            <a:r>
+              <a:rPr kumimoji="1" lang="en-US" altLang="ja-JP" dirty="0" smtClean="0"/>
+              <a:t>0</a:t>
+            </a:r>
+            <a:endParaRPr kumimoji="1" lang="ja-JP" altLang="en-US" dirty="0"/>
+          </a:p>
+        </p:txBody>
+      </p:sp>
+      <p:sp>
+        <p:nvSpPr>
+          <p:cNvPr id="21" name="テキスト ボックス 20"/>
+          <p:cNvSpPr txBox="1"/>
+          <p:nvPr/>
+        </p:nvSpPr>
+        <p:spPr>
+          <a:xfrm>
+            <a:off x="772515" y="4730702"/>
+            <a:ext cx="301686" cy="369332"/>
+          </a:xfrm>
+          <a:prstGeom prst="rect">
+            <a:avLst/>
+          </a:prstGeom>
+          <a:noFill/>
+        </p:spPr>
+        <p:txBody>
+          <a:bodyPr wrap="none" rtlCol="0">
+            <a:spAutoFit/>
+          </a:bodyPr>
+          <a:lstStyle/>
+          <a:p>
+            <a:r>
+              <a:rPr kumimoji="1" lang="en-US" altLang="ja-JP" dirty="0" smtClean="0"/>
+              <a:t>8</a:t>
+            </a:r>
+            <a:endParaRPr kumimoji="1" lang="ja-JP" altLang="en-US" dirty="0"/>
+          </a:p>
+        </p:txBody>
+      </p:sp>
+      <p:sp>
+        <p:nvSpPr>
+          <p:cNvPr id="22" name="テキスト ボックス 21"/>
+          <p:cNvSpPr txBox="1"/>
+          <p:nvPr/>
+        </p:nvSpPr>
+        <p:spPr>
+          <a:xfrm>
+            <a:off x="962179" y="4561492"/>
+            <a:ext cx="423514" cy="369332"/>
+          </a:xfrm>
+          <a:prstGeom prst="rect">
+            <a:avLst/>
+          </a:prstGeom>
+          <a:noFill/>
+        </p:spPr>
+        <p:txBody>
+          <a:bodyPr wrap="none" rtlCol="0">
+            <a:spAutoFit/>
+          </a:bodyPr>
+          <a:lstStyle/>
+          <a:p>
+            <a:r>
+              <a:rPr lang="en-US" altLang="ja-JP" dirty="0" err="1" smtClean="0"/>
+              <a:t>μT</a:t>
+            </a:r>
+            <a:endParaRPr kumimoji="1" lang="ja-JP" altLang="en-US" dirty="0"/>
+          </a:p>
+        </p:txBody>
+      </p:sp>
+      <p:cxnSp>
+        <p:nvCxnSpPr>
+          <p:cNvPr id="24" name="直線コネクタ 23"/>
+          <p:cNvCxnSpPr/>
+          <p:nvPr/>
+        </p:nvCxnSpPr>
+        <p:spPr>
+          <a:xfrm>
+            <a:off x="1101312" y="6176963"/>
+            <a:ext cx="4284965" cy="0"/>
+          </a:xfrm>
+          <a:prstGeom prst="line">
+            <a:avLst/>
+          </a:prstGeom>
+          <a:ln>
+            <a:solidFill>
+              <a:srgbClr val="FF0000"/>
+            </a:solidFill>
+          </a:ln>
+        </p:spPr>
+        <p:style>
+          <a:lnRef idx="1">
+            <a:schemeClr val="accent1"/>
+          </a:lnRef>
+          <a:fillRef idx="0">
+            <a:schemeClr val="accent1"/>
+          </a:fillRef>
+          <a:effectRef idx="0">
+            <a:schemeClr val="accent1"/>
+          </a:effectRef>
+          <a:fontRef idx="minor">
+            <a:schemeClr val="tx1"/>
+          </a:fontRef>
+        </p:style>
+      </p:cxnSp>
+      <p:sp>
+        <p:nvSpPr>
+          <p:cNvPr id="25" name="テキスト ボックス 24"/>
+          <p:cNvSpPr txBox="1"/>
+          <p:nvPr/>
+        </p:nvSpPr>
+        <p:spPr>
+          <a:xfrm>
+            <a:off x="5435245" y="5955532"/>
+            <a:ext cx="646331" cy="369332"/>
+          </a:xfrm>
+          <a:prstGeom prst="rect">
+            <a:avLst/>
+          </a:prstGeom>
+          <a:noFill/>
+        </p:spPr>
+        <p:txBody>
+          <a:bodyPr wrap="none" rtlCol="0">
+            <a:spAutoFit/>
+          </a:bodyPr>
+          <a:lstStyle/>
+          <a:p>
+            <a:r>
+              <a:rPr lang="ja-JP" altLang="en-US" dirty="0"/>
+              <a:t>閾値</a:t>
+            </a:r>
+            <a:endParaRPr kumimoji="1" lang="ja-JP" altLang="en-US" dirty="0"/>
+          </a:p>
+        </p:txBody>
+      </p:sp>
+      <p:sp>
+        <p:nvSpPr>
+          <p:cNvPr id="27" name="テキスト ボックス 26"/>
+          <p:cNvSpPr txBox="1"/>
+          <p:nvPr/>
+        </p:nvSpPr>
+        <p:spPr>
+          <a:xfrm>
+            <a:off x="8034673" y="4485468"/>
+            <a:ext cx="646331" cy="369332"/>
+          </a:xfrm>
+          <a:prstGeom prst="rect">
+            <a:avLst/>
+          </a:prstGeom>
+          <a:noFill/>
+        </p:spPr>
+        <p:txBody>
+          <a:bodyPr wrap="none" rtlCol="0">
+            <a:spAutoFit/>
+          </a:bodyPr>
+          <a:lstStyle/>
+          <a:p>
+            <a:r>
+              <a:rPr kumimoji="1" lang="ja-JP" altLang="en-US" dirty="0" smtClean="0"/>
+              <a:t>通過</a:t>
+            </a:r>
+            <a:endParaRPr kumimoji="1" lang="ja-JP" altLang="en-US" dirty="0"/>
+          </a:p>
+        </p:txBody>
+      </p:sp>
     </p:spTree>
     <p:extLst>
       <p:ext uri="{BB962C8B-B14F-4D97-AF65-F5344CB8AC3E}">
@@ -19484,11 +20001,7 @@
           <a:p>
             <a:r>
               <a:rPr kumimoji="1" lang="ja-JP" altLang="en-US" dirty="0" smtClean="0"/>
-              <a:t>実験</a:t>
-            </a:r>
-            <a:r>
-              <a:rPr kumimoji="1" lang="ja-JP" altLang="en-US" dirty="0" smtClean="0"/>
-              <a:t>結果</a:t>
+              <a:t>実験結果</a:t>
             </a:r>
             <a:r>
               <a:rPr kumimoji="1" lang="en-US" altLang="ja-JP" dirty="0" smtClean="0"/>
@@ -19515,7 +20028,7 @@
           <p:nvPr>
             <p:extLst>
               <p:ext uri="{D42A27DB-BD31-4B8C-83A1-F6EECF244321}">
-                <p14:modId xmlns:p14="http://schemas.microsoft.com/office/powerpoint/2010/main" val="2103900894"/>
+                <p14:modId xmlns:p14="http://schemas.microsoft.com/office/powerpoint/2010/main" val="3487240992"/>
               </p:ext>
             </p:extLst>
           </p:nvPr>
@@ -19543,10 +20056,10 @@
                     <a:p>
                       <a:pPr algn="ctr"/>
                       <a:r>
-                        <a:rPr kumimoji="1" lang="ja-JP" altLang="en-US" sz="4800" dirty="0" smtClean="0"/>
+                        <a:rPr kumimoji="1" lang="ja-JP" altLang="en-US" sz="4400" dirty="0" smtClean="0"/>
                         <a:t>磁石と端末の距離</a:t>
                       </a:r>
-                      <a:endParaRPr kumimoji="1" lang="ja-JP" altLang="en-US" sz="4800" dirty="0"/>
+                      <a:endParaRPr kumimoji="1" lang="ja-JP" altLang="en-US" sz="4400" dirty="0"/>
                     </a:p>
                   </a:txBody>
                   <a:tcPr>
@@ -19603,10 +20116,18 @@
                     <a:p>
                       <a:pPr algn="ctr"/>
                       <a:r>
-                        <a:rPr kumimoji="1" lang="ja-JP" altLang="en-US" sz="4800" dirty="0" smtClean="0"/>
-                        <a:t>通過検出率</a:t>
+                        <a:rPr kumimoji="1" lang="ja-JP" altLang="en-US" sz="4400" dirty="0" smtClean="0"/>
+                        <a:t>通過</a:t>
                       </a:r>
-                      <a:endParaRPr kumimoji="1" lang="ja-JP" altLang="en-US" sz="4800" dirty="0"/>
+                      <a:r>
+                        <a:rPr kumimoji="1" lang="ja-JP" altLang="en-US" sz="4400" dirty="0" smtClean="0"/>
+                        <a:t>検出率</a:t>
+                      </a:r>
+                      <a:r>
+                        <a:rPr kumimoji="1" lang="en-US" altLang="ja-JP" sz="4400" dirty="0" smtClean="0"/>
+                        <a:t>*</a:t>
+                      </a:r>
+                      <a:endParaRPr kumimoji="1" lang="ja-JP" altLang="en-US" sz="4400" dirty="0"/>
                     </a:p>
                   </a:txBody>
                   <a:tcPr>
@@ -19663,21 +20184,21 @@
                     <a:p>
                       <a:pPr algn="ctr"/>
                       <a:r>
-                        <a:rPr kumimoji="1" lang="ja-JP" altLang="en-US" sz="4800" dirty="0" smtClean="0"/>
+                        <a:rPr kumimoji="1" lang="ja-JP" altLang="en-US" sz="4400" dirty="0" smtClean="0"/>
                         <a:t>通過方向</a:t>
                       </a:r>
                       <a:r>
-                        <a:rPr kumimoji="1" lang="en-US" altLang="ja-JP" sz="4800" dirty="0" smtClean="0"/>
+                        <a:rPr kumimoji="1" lang="en-US" altLang="ja-JP" sz="4400" dirty="0" smtClean="0"/>
                         <a:t/>
                       </a:r>
                       <a:br>
-                        <a:rPr kumimoji="1" lang="en-US" altLang="ja-JP" sz="4800" dirty="0" smtClean="0"/>
+                        <a:rPr kumimoji="1" lang="en-US" altLang="ja-JP" sz="4400" dirty="0" smtClean="0"/>
                       </a:br>
                       <a:r>
-                        <a:rPr kumimoji="1" lang="ja-JP" altLang="en-US" sz="4800" dirty="0" smtClean="0"/>
+                        <a:rPr kumimoji="1" lang="ja-JP" altLang="en-US" sz="4400" dirty="0" smtClean="0"/>
                         <a:t>検出率</a:t>
                       </a:r>
-                      <a:endParaRPr kumimoji="1" lang="ja-JP" altLang="en-US" sz="4800" dirty="0"/>
+                      <a:endParaRPr kumimoji="1" lang="ja-JP" altLang="en-US" sz="4400" dirty="0"/>
                     </a:p>
                   </a:txBody>
                   <a:tcPr>
@@ -19797,7 +20318,7 @@
                       <a:pPr algn="ctr"/>
                       <a:r>
                         <a:rPr kumimoji="1" lang="en-US" altLang="ja-JP" sz="4800" dirty="0" smtClean="0"/>
-                        <a:t>89%</a:t>
+                        <a:t>100%</a:t>
                       </a:r>
                       <a:endParaRPr kumimoji="1" lang="ja-JP" altLang="en-US" sz="4800" dirty="0"/>
                     </a:p>
@@ -19857,7 +20378,7 @@
                       <a:pPr algn="ctr"/>
                       <a:r>
                         <a:rPr kumimoji="1" lang="en-US" altLang="ja-JP" sz="4800" dirty="0" smtClean="0"/>
-                        <a:t>89%</a:t>
+                        <a:t>61%</a:t>
                       </a:r>
                       <a:endParaRPr kumimoji="1" lang="ja-JP" altLang="en-US" sz="4800" dirty="0"/>
                     </a:p>
@@ -19979,7 +20500,7 @@
                       <a:pPr algn="ctr"/>
                       <a:r>
                         <a:rPr kumimoji="1" lang="en-US" altLang="ja-JP" sz="4800" dirty="0" smtClean="0"/>
-                        <a:t>83%</a:t>
+                        <a:t>100%</a:t>
                       </a:r>
                       <a:endParaRPr kumimoji="1" lang="ja-JP" altLang="en-US" sz="4800" dirty="0"/>
                     </a:p>
@@ -20039,7 +20560,7 @@
                       <a:pPr algn="ctr"/>
                       <a:r>
                         <a:rPr kumimoji="1" lang="en-US" altLang="ja-JP" sz="4800" dirty="0" smtClean="0"/>
-                        <a:t>83%</a:t>
+                        <a:t>77%</a:t>
                       </a:r>
                       <a:endParaRPr kumimoji="1" lang="ja-JP" altLang="en-US" sz="4800" dirty="0"/>
                     </a:p>
@@ -20161,7 +20682,7 @@
                       <a:pPr algn="ctr"/>
                       <a:r>
                         <a:rPr kumimoji="1" lang="en-US" altLang="ja-JP" sz="4800" dirty="0" smtClean="0"/>
-                        <a:t>39%</a:t>
+                        <a:t>100%</a:t>
                       </a:r>
                       <a:endParaRPr kumimoji="1" lang="ja-JP" altLang="en-US" sz="4800" dirty="0"/>
                     </a:p>
@@ -20221,7 +20742,7 @@
                       <a:pPr algn="ctr"/>
                       <a:r>
                         <a:rPr kumimoji="1" lang="en-US" altLang="ja-JP" sz="4800" dirty="0" smtClean="0"/>
-                        <a:t>39%</a:t>
+                        <a:t>5%</a:t>
                       </a:r>
                       <a:endParaRPr kumimoji="1" lang="ja-JP" altLang="en-US" sz="4800" dirty="0"/>
                     </a:p>
@@ -20278,6 +20799,40 @@
           </a:graphicData>
         </a:graphic>
       </p:graphicFrame>
+      <p:sp>
+        <p:nvSpPr>
+          <p:cNvPr id="3" name="テキスト ボックス 2"/>
+          <p:cNvSpPr txBox="1"/>
+          <p:nvPr/>
+        </p:nvSpPr>
+        <p:spPr>
+          <a:xfrm>
+            <a:off x="838200" y="6336405"/>
+            <a:ext cx="6364243" cy="369332"/>
+          </a:xfrm>
+          <a:prstGeom prst="rect">
+            <a:avLst/>
+          </a:prstGeom>
+          <a:noFill/>
+        </p:spPr>
+        <p:txBody>
+          <a:bodyPr wrap="none" rtlCol="0">
+            <a:spAutoFit/>
+          </a:bodyPr>
+          <a:lstStyle/>
+          <a:p>
+            <a:r>
+              <a:rPr kumimoji="1" lang="en-US" altLang="ja-JP" dirty="0" smtClean="0"/>
+              <a:t>*</a:t>
+            </a:r>
+            <a:r>
+              <a:rPr kumimoji="1" lang="ja-JP" altLang="en-US" dirty="0" smtClean="0"/>
+              <a:t>どこを通過したかは分からないが磁石の前を通過したのを検出</a:t>
+            </a:r>
+            <a:endParaRPr kumimoji="1" lang="ja-JP" altLang="en-US" dirty="0"/>
+          </a:p>
+        </p:txBody>
+      </p:sp>
     </p:spTree>
     <p:extLst>
       <p:ext uri="{BB962C8B-B14F-4D97-AF65-F5344CB8AC3E}">
@@ -20323,9 +20878,91 @@
           <a:bodyPr/>
           <a:lstStyle/>
           <a:p>
-            <a:r>
-              <a:rPr kumimoji="1" lang="ja-JP" altLang="en-US" dirty="0" smtClean="0"/>
-              <a:t>今後の方針</a:t>
+            <a:endParaRPr kumimoji="1" lang="ja-JP" altLang="en-US"/>
+          </a:p>
+        </p:txBody>
+      </p:sp>
+      <p:pic>
+        <p:nvPicPr>
+          <p:cNvPr id="4" name="図 3"/>
+          <p:cNvPicPr>
+            <a:picLocks noChangeAspect="1"/>
+          </p:cNvPicPr>
+          <p:nvPr/>
+        </p:nvPicPr>
+        <p:blipFill rotWithShape="1">
+          <a:blip r:embed="rId2"/>
+          <a:srcRect l="24804" t="18289" r="28773" b="20518"/>
+          <a:stretch/>
+        </p:blipFill>
+        <p:spPr>
+          <a:xfrm>
+            <a:off x="3335629" y="2210913"/>
+            <a:ext cx="4340180" cy="3417155"/>
+          </a:xfrm>
+          <a:prstGeom prst="rect">
+            <a:avLst/>
+          </a:prstGeom>
+        </p:spPr>
+      </p:pic>
+      <p:cxnSp>
+        <p:nvCxnSpPr>
+          <p:cNvPr id="6" name="直線矢印コネクタ 5"/>
+          <p:cNvCxnSpPr/>
+          <p:nvPr/>
+        </p:nvCxnSpPr>
+        <p:spPr>
+          <a:xfrm flipV="1">
+            <a:off x="3245476" y="2146412"/>
+            <a:ext cx="0" cy="3420000"/>
+          </a:xfrm>
+          <a:prstGeom prst="straightConnector1">
+            <a:avLst/>
+          </a:prstGeom>
+          <a:ln>
+            <a:tailEnd type="triangle"/>
+          </a:ln>
+        </p:spPr>
+        <p:style>
+          <a:lnRef idx="3">
+            <a:schemeClr val="dk1"/>
+          </a:lnRef>
+          <a:fillRef idx="0">
+            <a:schemeClr val="dk1"/>
+          </a:fillRef>
+          <a:effectRef idx="2">
+            <a:schemeClr val="dk1"/>
+          </a:effectRef>
+          <a:fontRef idx="minor">
+            <a:schemeClr val="tx1"/>
+          </a:fontRef>
+        </p:style>
+      </p:cxnSp>
+      <p:sp>
+        <p:nvSpPr>
+          <p:cNvPr id="7" name="テキスト ボックス 6"/>
+          <p:cNvSpPr txBox="1"/>
+          <p:nvPr/>
+        </p:nvSpPr>
+        <p:spPr>
+          <a:xfrm>
+            <a:off x="2826772" y="2026247"/>
+            <a:ext cx="418704" cy="369332"/>
+          </a:xfrm>
+          <a:prstGeom prst="rect">
+            <a:avLst/>
+          </a:prstGeom>
+          <a:noFill/>
+        </p:spPr>
+        <p:txBody>
+          <a:bodyPr wrap="none" rtlCol="0">
+            <a:spAutoFit/>
+          </a:bodyPr>
+          <a:lstStyle/>
+          <a:p>
+            <a:r>
+              <a:rPr kumimoji="1" lang="en-US" altLang="ja-JP" dirty="0" smtClean="0"/>
+              <a:t>20</a:t>
             </a:r>
             <a:endParaRPr kumimoji="1" lang="ja-JP" altLang="en-US" dirty="0"/>
           </a:p>
@@ -20333,12 +20970,136 @@
       </p:sp>
       <p:sp>
         <p:nvSpPr>
-          <p:cNvPr id="3" name="コンテンツ プレースホルダー 2"/>
+          <p:cNvPr id="9" name="テキスト ボックス 8"/>
+          <p:cNvSpPr txBox="1"/>
+          <p:nvPr/>
+        </p:nvSpPr>
+        <p:spPr>
+          <a:xfrm>
+            <a:off x="2826772" y="5317245"/>
+            <a:ext cx="489236" cy="369332"/>
+          </a:xfrm>
+          <a:prstGeom prst="rect">
+            <a:avLst/>
+          </a:prstGeom>
+          <a:noFill/>
+        </p:spPr>
+        <p:txBody>
+          <a:bodyPr wrap="none" rtlCol="0">
+            <a:spAutoFit/>
+          </a:bodyPr>
+          <a:lstStyle/>
+          <a:p>
+            <a:r>
+              <a:rPr kumimoji="1" lang="en-US" altLang="ja-JP" dirty="0" smtClean="0"/>
+              <a:t>-20</a:t>
+            </a:r>
+            <a:endParaRPr kumimoji="1" lang="ja-JP" altLang="en-US" dirty="0"/>
+          </a:p>
+        </p:txBody>
+      </p:sp>
+      <p:sp>
+        <p:nvSpPr>
+          <p:cNvPr id="10" name="テキスト ボックス 9"/>
+          <p:cNvSpPr txBox="1"/>
+          <p:nvPr/>
+        </p:nvSpPr>
+        <p:spPr>
+          <a:xfrm>
+            <a:off x="3104251" y="1766135"/>
+            <a:ext cx="423514" cy="369332"/>
+          </a:xfrm>
+          <a:prstGeom prst="rect">
+            <a:avLst/>
+          </a:prstGeom>
+          <a:noFill/>
+        </p:spPr>
+        <p:txBody>
+          <a:bodyPr wrap="none" rtlCol="0">
+            <a:spAutoFit/>
+          </a:bodyPr>
+          <a:lstStyle/>
+          <a:p>
+            <a:r>
+              <a:rPr lang="en-US" altLang="ja-JP" dirty="0" err="1" smtClean="0"/>
+              <a:t>μT</a:t>
+            </a:r>
+            <a:endParaRPr kumimoji="1" lang="ja-JP" altLang="en-US" dirty="0"/>
+          </a:p>
+        </p:txBody>
+      </p:sp>
+      <p:sp>
+        <p:nvSpPr>
+          <p:cNvPr id="11" name="テキスト ボックス 10"/>
+          <p:cNvSpPr txBox="1"/>
+          <p:nvPr/>
+        </p:nvSpPr>
+        <p:spPr>
+          <a:xfrm>
+            <a:off x="7695430" y="3734824"/>
+            <a:ext cx="707245" cy="369332"/>
+          </a:xfrm>
+          <a:prstGeom prst="rect">
+            <a:avLst/>
+          </a:prstGeom>
+          <a:noFill/>
+        </p:spPr>
+        <p:txBody>
+          <a:bodyPr wrap="none" rtlCol="0">
+            <a:spAutoFit/>
+          </a:bodyPr>
+          <a:lstStyle/>
+          <a:p>
+            <a:r>
+              <a:rPr kumimoji="1" lang="en-US" altLang="ja-JP" dirty="0" smtClean="0"/>
+              <a:t>5.6</a:t>
+            </a:r>
+            <a:r>
+              <a:rPr kumimoji="1" lang="ja-JP" altLang="en-US" dirty="0" smtClean="0"/>
+              <a:t>秒</a:t>
+            </a:r>
+            <a:endParaRPr kumimoji="1" lang="ja-JP" altLang="en-US" dirty="0"/>
+          </a:p>
+        </p:txBody>
+      </p:sp>
+    </p:spTree>
+    <p:extLst>
+      <p:ext uri="{BB962C8B-B14F-4D97-AF65-F5344CB8AC3E}">
+        <p14:creationId xmlns:p14="http://schemas.microsoft.com/office/powerpoint/2010/main" val="2742424437"/>
+      </p:ext>
+    </p:extLst>
+  </p:cSld>
+  <p:clrMapOvr>
+    <a:masterClrMapping/>
+  </p:clrMapOvr>
+</p:sld>
+</file>
+
+<file path=ppt/slides/slide28.xml><?xml version="1.0" encoding="utf-8"?>
+<p:sld xmlns:a="http://schemas.openxmlformats.org/drawingml/2006/main" xmlns:r="http://schemas.openxmlformats.org/officeDocument/2006/relationships" xmlns:p="http://schemas.openxmlformats.org/presentationml/2006/main">
+  <p:cSld>
+    <p:spTree>
+      <p:nvGrpSpPr>
+        <p:cNvPr id="1" name=""/>
+        <p:cNvGrpSpPr/>
+        <p:nvPr/>
+      </p:nvGrpSpPr>
+      <p:grpSpPr>
+        <a:xfrm>
+          <a:off x="0" y="0"/>
+          <a:ext cx="0" cy="0"/>
+          <a:chOff x="0" y="0"/>
+          <a:chExt cx="0" cy="0"/>
+        </a:xfrm>
+      </p:grpSpPr>
+      <p:sp>
+        <p:nvSpPr>
+          <p:cNvPr id="2" name="タイトル 1"/>
           <p:cNvSpPr>
             <a:spLocks noGrp="1"/>
           </p:cNvSpPr>
           <p:nvPr>
-            <p:ph idx="1"/>
+            <p:ph type="title"/>
           </p:nvPr>
         </p:nvSpPr>
         <p:spPr/>
@@ -20346,67 +21107,596 @@
           <a:bodyPr/>
           <a:lstStyle/>
           <a:p>
-            <a:pPr>
-              <a:buClr>
-                <a:schemeClr val="accent1">
-                  <a:lumMod val="50000"/>
-                </a:schemeClr>
-              </a:buClr>
-              <a:buFont typeface="Wingdings" panose="05000000000000000000" pitchFamily="2" charset="2"/>
-              <a:buChar char="n"/>
-            </a:pPr>
+            <a:endParaRPr kumimoji="1" lang="ja-JP" altLang="en-US"/>
+          </a:p>
+        </p:txBody>
+      </p:sp>
+      <p:pic>
+        <p:nvPicPr>
+          <p:cNvPr id="4" name="図 3"/>
+          <p:cNvPicPr>
+            <a:picLocks noChangeAspect="1"/>
+          </p:cNvPicPr>
+          <p:nvPr/>
+        </p:nvPicPr>
+        <p:blipFill rotWithShape="1">
+          <a:blip r:embed="rId2"/>
+          <a:srcRect l="24804" t="18289" r="28773" b="20518"/>
+          <a:stretch/>
+        </p:blipFill>
+        <p:spPr>
+          <a:xfrm>
+            <a:off x="3335629" y="2210913"/>
+            <a:ext cx="4340180" cy="3417155"/>
+          </a:xfrm>
+          <a:prstGeom prst="rect">
+            <a:avLst/>
+          </a:prstGeom>
+        </p:spPr>
+      </p:pic>
+      <p:cxnSp>
+        <p:nvCxnSpPr>
+          <p:cNvPr id="6" name="直線矢印コネクタ 5"/>
+          <p:cNvCxnSpPr/>
+          <p:nvPr/>
+        </p:nvCxnSpPr>
+        <p:spPr>
+          <a:xfrm flipV="1">
+            <a:off x="3245476" y="2146412"/>
+            <a:ext cx="0" cy="3420000"/>
+          </a:xfrm>
+          <a:prstGeom prst="straightConnector1">
+            <a:avLst/>
+          </a:prstGeom>
+          <a:ln>
+            <a:tailEnd type="triangle"/>
+          </a:ln>
+        </p:spPr>
+        <p:style>
+          <a:lnRef idx="3">
+            <a:schemeClr val="dk1"/>
+          </a:lnRef>
+          <a:fillRef idx="0">
+            <a:schemeClr val="dk1"/>
+          </a:fillRef>
+          <a:effectRef idx="2">
+            <a:schemeClr val="dk1"/>
+          </a:effectRef>
+          <a:fontRef idx="minor">
+            <a:schemeClr val="tx1"/>
+          </a:fontRef>
+        </p:style>
+      </p:cxnSp>
+      <p:sp>
+        <p:nvSpPr>
+          <p:cNvPr id="7" name="テキスト ボックス 6"/>
+          <p:cNvSpPr txBox="1"/>
+          <p:nvPr/>
+        </p:nvSpPr>
+        <p:spPr>
+          <a:xfrm>
+            <a:off x="2826772" y="2026247"/>
+            <a:ext cx="418704" cy="369332"/>
+          </a:xfrm>
+          <a:prstGeom prst="rect">
+            <a:avLst/>
+          </a:prstGeom>
+          <a:noFill/>
+        </p:spPr>
+        <p:txBody>
+          <a:bodyPr wrap="none" rtlCol="0">
+            <a:spAutoFit/>
+          </a:bodyPr>
+          <a:lstStyle/>
+          <a:p>
+            <a:r>
+              <a:rPr kumimoji="1" lang="en-US" altLang="ja-JP" dirty="0" smtClean="0"/>
+              <a:t>20</a:t>
+            </a:r>
+            <a:endParaRPr kumimoji="1" lang="ja-JP" altLang="en-US" dirty="0"/>
+          </a:p>
+        </p:txBody>
+      </p:sp>
+      <p:sp>
+        <p:nvSpPr>
+          <p:cNvPr id="9" name="テキスト ボックス 8"/>
+          <p:cNvSpPr txBox="1"/>
+          <p:nvPr/>
+        </p:nvSpPr>
+        <p:spPr>
+          <a:xfrm>
+            <a:off x="2826772" y="5317245"/>
+            <a:ext cx="489236" cy="369332"/>
+          </a:xfrm>
+          <a:prstGeom prst="rect">
+            <a:avLst/>
+          </a:prstGeom>
+          <a:noFill/>
+        </p:spPr>
+        <p:txBody>
+          <a:bodyPr wrap="none" rtlCol="0">
+            <a:spAutoFit/>
+          </a:bodyPr>
+          <a:lstStyle/>
+          <a:p>
+            <a:r>
+              <a:rPr kumimoji="1" lang="en-US" altLang="ja-JP" dirty="0" smtClean="0"/>
+              <a:t>-20</a:t>
+            </a:r>
+            <a:endParaRPr kumimoji="1" lang="ja-JP" altLang="en-US" dirty="0"/>
+          </a:p>
+        </p:txBody>
+      </p:sp>
+      <p:sp>
+        <p:nvSpPr>
+          <p:cNvPr id="10" name="テキスト ボックス 9"/>
+          <p:cNvSpPr txBox="1"/>
+          <p:nvPr/>
+        </p:nvSpPr>
+        <p:spPr>
+          <a:xfrm>
+            <a:off x="3104251" y="1766135"/>
+            <a:ext cx="423514" cy="369332"/>
+          </a:xfrm>
+          <a:prstGeom prst="rect">
+            <a:avLst/>
+          </a:prstGeom>
+          <a:noFill/>
+        </p:spPr>
+        <p:txBody>
+          <a:bodyPr wrap="none" rtlCol="0">
+            <a:spAutoFit/>
+          </a:bodyPr>
+          <a:lstStyle/>
+          <a:p>
+            <a:r>
+              <a:rPr lang="en-US" altLang="ja-JP" dirty="0" err="1" smtClean="0"/>
+              <a:t>μT</a:t>
+            </a:r>
+            <a:endParaRPr kumimoji="1" lang="ja-JP" altLang="en-US" dirty="0"/>
+          </a:p>
+        </p:txBody>
+      </p:sp>
+      <p:sp>
+        <p:nvSpPr>
+          <p:cNvPr id="11" name="テキスト ボックス 10"/>
+          <p:cNvSpPr txBox="1"/>
+          <p:nvPr/>
+        </p:nvSpPr>
+        <p:spPr>
+          <a:xfrm>
+            <a:off x="7695430" y="3734824"/>
+            <a:ext cx="707245" cy="369332"/>
+          </a:xfrm>
+          <a:prstGeom prst="rect">
+            <a:avLst/>
+          </a:prstGeom>
+          <a:noFill/>
+        </p:spPr>
+        <p:txBody>
+          <a:bodyPr wrap="none" rtlCol="0">
+            <a:spAutoFit/>
+          </a:bodyPr>
+          <a:lstStyle/>
+          <a:p>
+            <a:r>
+              <a:rPr kumimoji="1" lang="en-US" altLang="ja-JP" dirty="0" smtClean="0"/>
+              <a:t>5.6</a:t>
+            </a:r>
             <a:r>
               <a:rPr kumimoji="1" lang="ja-JP" altLang="en-US" dirty="0" smtClean="0"/>
-              <a:t>今回の変更も加えて</a:t>
-            </a:r>
+              <a:t>秒</a:t>
+            </a:r>
+            <a:endParaRPr kumimoji="1" lang="ja-JP" altLang="en-US" dirty="0"/>
+          </a:p>
+        </p:txBody>
+      </p:sp>
+      <p:cxnSp>
+        <p:nvCxnSpPr>
+          <p:cNvPr id="5" name="直線矢印コネクタ 4"/>
+          <p:cNvCxnSpPr>
+            <a:stCxn id="8" idx="0"/>
+          </p:cNvCxnSpPr>
+          <p:nvPr/>
+        </p:nvCxnSpPr>
+        <p:spPr>
+          <a:xfrm flipH="1" flipV="1">
+            <a:off x="4481848" y="5628068"/>
+            <a:ext cx="1144821" cy="785611"/>
+          </a:xfrm>
+          <a:prstGeom prst="straightConnector1">
+            <a:avLst/>
+          </a:prstGeom>
+          <a:ln>
+            <a:tailEnd type="triangle"/>
+          </a:ln>
+        </p:spPr>
+        <p:style>
+          <a:lnRef idx="1">
+            <a:schemeClr val="accent1"/>
+          </a:lnRef>
+          <a:fillRef idx="0">
+            <a:schemeClr val="accent1"/>
+          </a:fillRef>
+          <a:effectRef idx="0">
+            <a:schemeClr val="accent1"/>
+          </a:effectRef>
+          <a:fontRef idx="minor">
+            <a:schemeClr val="tx1"/>
+          </a:fontRef>
+        </p:style>
+      </p:cxnSp>
+      <p:sp>
+        <p:nvSpPr>
+          <p:cNvPr id="8" name="テキスト ボックス 7"/>
+          <p:cNvSpPr txBox="1"/>
+          <p:nvPr/>
+        </p:nvSpPr>
+        <p:spPr>
+          <a:xfrm>
+            <a:off x="5188087" y="6413679"/>
+            <a:ext cx="877163" cy="369332"/>
+          </a:xfrm>
+          <a:prstGeom prst="rect">
+            <a:avLst/>
+          </a:prstGeom>
+          <a:noFill/>
+        </p:spPr>
+        <p:txBody>
+          <a:bodyPr wrap="none" rtlCol="0">
+            <a:spAutoFit/>
+          </a:bodyPr>
+          <a:lstStyle/>
+          <a:p>
+            <a:r>
+              <a:rPr kumimoji="1" lang="ja-JP" altLang="en-US" dirty="0" smtClean="0"/>
+              <a:t>通過中</a:t>
+            </a:r>
+            <a:endParaRPr kumimoji="1" lang="ja-JP" altLang="en-US" dirty="0"/>
+          </a:p>
+        </p:txBody>
+      </p:sp>
+      <p:cxnSp>
+        <p:nvCxnSpPr>
+          <p:cNvPr id="12" name="直線矢印コネクタ 11"/>
+          <p:cNvCxnSpPr>
+            <a:stCxn id="8" idx="0"/>
+          </p:cNvCxnSpPr>
+          <p:nvPr/>
+        </p:nvCxnSpPr>
+        <p:spPr>
+          <a:xfrm flipV="1">
+            <a:off x="5626669" y="5628068"/>
+            <a:ext cx="1031708" cy="785611"/>
+          </a:xfrm>
+          <a:prstGeom prst="straightConnector1">
+            <a:avLst/>
+          </a:prstGeom>
+          <a:ln>
+            <a:tailEnd type="triangle"/>
+          </a:ln>
+        </p:spPr>
+        <p:style>
+          <a:lnRef idx="1">
+            <a:schemeClr val="accent1"/>
+          </a:lnRef>
+          <a:fillRef idx="0">
+            <a:schemeClr val="accent1"/>
+          </a:fillRef>
+          <a:effectRef idx="0">
+            <a:schemeClr val="accent1"/>
+          </a:effectRef>
+          <a:fontRef idx="minor">
+            <a:schemeClr val="tx1"/>
+          </a:fontRef>
+        </p:style>
+      </p:cxnSp>
+    </p:spTree>
+    <p:extLst>
+      <p:ext uri="{BB962C8B-B14F-4D97-AF65-F5344CB8AC3E}">
+        <p14:creationId xmlns:p14="http://schemas.microsoft.com/office/powerpoint/2010/main" val="3858771538"/>
+      </p:ext>
+    </p:extLst>
+  </p:cSld>
+  <p:clrMapOvr>
+    <a:masterClrMapping/>
+  </p:clrMapOvr>
+</p:sld>
+</file>
+
+<file path=ppt/slides/slide29.xml><?xml version="1.0" encoding="utf-8"?>
+<p:sld xmlns:a="http://schemas.openxmlformats.org/drawingml/2006/main" xmlns:r="http://schemas.openxmlformats.org/officeDocument/2006/relationships" xmlns:p="http://schemas.openxmlformats.org/presentationml/2006/main">
+  <p:cSld>
+    <p:spTree>
+      <p:nvGrpSpPr>
+        <p:cNvPr id="1" name=""/>
+        <p:cNvGrpSpPr/>
+        <p:nvPr/>
+      </p:nvGrpSpPr>
+      <p:grpSpPr>
+        <a:xfrm>
+          <a:off x="0" y="0"/>
+          <a:ext cx="0" cy="0"/>
+          <a:chOff x="0" y="0"/>
+          <a:chExt cx="0" cy="0"/>
+        </a:xfrm>
+      </p:grpSpPr>
+      <p:sp>
+        <p:nvSpPr>
+          <p:cNvPr id="2" name="タイトル 1"/>
+          <p:cNvSpPr>
+            <a:spLocks noGrp="1"/>
+          </p:cNvSpPr>
+          <p:nvPr>
+            <p:ph type="title"/>
+          </p:nvPr>
+        </p:nvSpPr>
+        <p:spPr/>
+        <p:txBody>
+          <a:bodyPr/>
+          <a:lstStyle/>
+          <a:p>
+            <a:endParaRPr kumimoji="1" lang="ja-JP" altLang="en-US"/>
+          </a:p>
+        </p:txBody>
+      </p:sp>
+      <p:pic>
+        <p:nvPicPr>
+          <p:cNvPr id="4" name="図 3"/>
+          <p:cNvPicPr>
+            <a:picLocks noChangeAspect="1"/>
+          </p:cNvPicPr>
+          <p:nvPr/>
+        </p:nvPicPr>
+        <p:blipFill rotWithShape="1">
+          <a:blip r:embed="rId2"/>
+          <a:srcRect l="24804" t="18289" r="28773" b="20518"/>
+          <a:stretch/>
+        </p:blipFill>
+        <p:spPr>
+          <a:xfrm>
+            <a:off x="3335629" y="2210913"/>
+            <a:ext cx="4340180" cy="3417155"/>
+          </a:xfrm>
+          <a:prstGeom prst="rect">
+            <a:avLst/>
+          </a:prstGeom>
+        </p:spPr>
+      </p:pic>
+      <p:cxnSp>
+        <p:nvCxnSpPr>
+          <p:cNvPr id="6" name="直線矢印コネクタ 5"/>
+          <p:cNvCxnSpPr/>
+          <p:nvPr/>
+        </p:nvCxnSpPr>
+        <p:spPr>
+          <a:xfrm flipV="1">
+            <a:off x="3245476" y="2146412"/>
+            <a:ext cx="0" cy="3420000"/>
+          </a:xfrm>
+          <a:prstGeom prst="straightConnector1">
+            <a:avLst/>
+          </a:prstGeom>
+          <a:ln>
+            <a:tailEnd type="triangle"/>
+          </a:ln>
+        </p:spPr>
+        <p:style>
+          <a:lnRef idx="3">
+            <a:schemeClr val="dk1"/>
+          </a:lnRef>
+          <a:fillRef idx="0">
+            <a:schemeClr val="dk1"/>
+          </a:fillRef>
+          <a:effectRef idx="2">
+            <a:schemeClr val="dk1"/>
+          </a:effectRef>
+          <a:fontRef idx="minor">
+            <a:schemeClr val="tx1"/>
+          </a:fontRef>
+        </p:style>
+      </p:cxnSp>
+      <p:sp>
+        <p:nvSpPr>
+          <p:cNvPr id="7" name="テキスト ボックス 6"/>
+          <p:cNvSpPr txBox="1"/>
+          <p:nvPr/>
+        </p:nvSpPr>
+        <p:spPr>
+          <a:xfrm>
+            <a:off x="2826772" y="2026247"/>
+            <a:ext cx="418704" cy="369332"/>
+          </a:xfrm>
+          <a:prstGeom prst="rect">
+            <a:avLst/>
+          </a:prstGeom>
+          <a:noFill/>
+        </p:spPr>
+        <p:txBody>
+          <a:bodyPr wrap="none" rtlCol="0">
+            <a:spAutoFit/>
+          </a:bodyPr>
+          <a:lstStyle/>
+          <a:p>
             <a:r>
               <a:rPr kumimoji="1" lang="en-US" altLang="ja-JP" dirty="0" smtClean="0"/>
-              <a:t>Android</a:t>
+              <a:t>20</a:t>
+            </a:r>
+            <a:endParaRPr kumimoji="1" lang="ja-JP" altLang="en-US" dirty="0"/>
+          </a:p>
+        </p:txBody>
+      </p:sp>
+      <p:sp>
+        <p:nvSpPr>
+          <p:cNvPr id="9" name="テキスト ボックス 8"/>
+          <p:cNvSpPr txBox="1"/>
+          <p:nvPr/>
+        </p:nvSpPr>
+        <p:spPr>
+          <a:xfrm>
+            <a:off x="2826772" y="5317245"/>
+            <a:ext cx="489236" cy="369332"/>
+          </a:xfrm>
+          <a:prstGeom prst="rect">
+            <a:avLst/>
+          </a:prstGeom>
+          <a:noFill/>
+        </p:spPr>
+        <p:txBody>
+          <a:bodyPr wrap="none" rtlCol="0">
+            <a:spAutoFit/>
+          </a:bodyPr>
+          <a:lstStyle/>
+          <a:p>
+            <a:r>
+              <a:rPr kumimoji="1" lang="en-US" altLang="ja-JP" dirty="0" smtClean="0"/>
+              <a:t>-20</a:t>
+            </a:r>
+            <a:endParaRPr kumimoji="1" lang="ja-JP" altLang="en-US" dirty="0"/>
+          </a:p>
+        </p:txBody>
+      </p:sp>
+      <p:sp>
+        <p:nvSpPr>
+          <p:cNvPr id="10" name="テキスト ボックス 9"/>
+          <p:cNvSpPr txBox="1"/>
+          <p:nvPr/>
+        </p:nvSpPr>
+        <p:spPr>
+          <a:xfrm>
+            <a:off x="3104251" y="1766135"/>
+            <a:ext cx="423514" cy="369332"/>
+          </a:xfrm>
+          <a:prstGeom prst="rect">
+            <a:avLst/>
+          </a:prstGeom>
+          <a:noFill/>
+        </p:spPr>
+        <p:txBody>
+          <a:bodyPr wrap="none" rtlCol="0">
+            <a:spAutoFit/>
+          </a:bodyPr>
+          <a:lstStyle/>
+          <a:p>
+            <a:r>
+              <a:rPr lang="en-US" altLang="ja-JP" dirty="0" err="1" smtClean="0"/>
+              <a:t>μT</a:t>
+            </a:r>
+            <a:endParaRPr kumimoji="1" lang="ja-JP" altLang="en-US" dirty="0"/>
+          </a:p>
+        </p:txBody>
+      </p:sp>
+      <p:sp>
+        <p:nvSpPr>
+          <p:cNvPr id="11" name="テキスト ボックス 10"/>
+          <p:cNvSpPr txBox="1"/>
+          <p:nvPr/>
+        </p:nvSpPr>
+        <p:spPr>
+          <a:xfrm>
+            <a:off x="7695430" y="3734824"/>
+            <a:ext cx="707245" cy="369332"/>
+          </a:xfrm>
+          <a:prstGeom prst="rect">
+            <a:avLst/>
+          </a:prstGeom>
+          <a:noFill/>
+        </p:spPr>
+        <p:txBody>
+          <a:bodyPr wrap="none" rtlCol="0">
+            <a:spAutoFit/>
+          </a:bodyPr>
+          <a:lstStyle/>
+          <a:p>
+            <a:r>
+              <a:rPr kumimoji="1" lang="en-US" altLang="ja-JP" dirty="0" smtClean="0"/>
+              <a:t>5.6</a:t>
             </a:r>
             <a:r>
               <a:rPr kumimoji="1" lang="ja-JP" altLang="en-US" dirty="0" smtClean="0"/>
-              <a:t>アプリとして実装</a:t>
-            </a:r>
-            <a:endParaRPr kumimoji="1" lang="en-US" altLang="ja-JP" dirty="0" smtClean="0"/>
-          </a:p>
-          <a:p>
-            <a:pPr>
-              <a:buClr>
-                <a:schemeClr val="accent1">
-                  <a:lumMod val="50000"/>
-                </a:schemeClr>
-              </a:buClr>
-              <a:buFont typeface="Wingdings" panose="05000000000000000000" pitchFamily="2" charset="2"/>
-              <a:buChar char="n"/>
-            </a:pPr>
+              <a:t>秒</a:t>
+            </a:r>
+            <a:endParaRPr kumimoji="1" lang="ja-JP" altLang="en-US" dirty="0"/>
+          </a:p>
+        </p:txBody>
+      </p:sp>
+      <p:cxnSp>
+        <p:nvCxnSpPr>
+          <p:cNvPr id="5" name="直線矢印コネクタ 4"/>
+          <p:cNvCxnSpPr>
+            <a:stCxn id="8" idx="0"/>
+          </p:cNvCxnSpPr>
+          <p:nvPr/>
+        </p:nvCxnSpPr>
+        <p:spPr>
+          <a:xfrm flipH="1" flipV="1">
+            <a:off x="4917631" y="5686577"/>
+            <a:ext cx="818494" cy="668593"/>
+          </a:xfrm>
+          <a:prstGeom prst="straightConnector1">
+            <a:avLst/>
+          </a:prstGeom>
+          <a:ln>
+            <a:tailEnd type="triangle"/>
+          </a:ln>
+        </p:spPr>
+        <p:style>
+          <a:lnRef idx="1">
+            <a:schemeClr val="accent1"/>
+          </a:lnRef>
+          <a:fillRef idx="0">
+            <a:schemeClr val="accent1"/>
+          </a:fillRef>
+          <a:effectRef idx="0">
+            <a:schemeClr val="accent1"/>
+          </a:effectRef>
+          <a:fontRef idx="minor">
+            <a:schemeClr val="tx1"/>
+          </a:fontRef>
+        </p:style>
+      </p:cxnSp>
+      <p:sp>
+        <p:nvSpPr>
+          <p:cNvPr id="8" name="テキスト ボックス 7"/>
+          <p:cNvSpPr txBox="1"/>
+          <p:nvPr/>
+        </p:nvSpPr>
+        <p:spPr>
+          <a:xfrm>
+            <a:off x="4917631" y="6355170"/>
+            <a:ext cx="1636987" cy="369332"/>
+          </a:xfrm>
+          <a:prstGeom prst="rect">
+            <a:avLst/>
+          </a:prstGeom>
+          <a:noFill/>
+        </p:spPr>
+        <p:txBody>
+          <a:bodyPr wrap="none" rtlCol="0">
+            <a:spAutoFit/>
+          </a:bodyPr>
+          <a:lstStyle/>
+          <a:p>
             <a:r>
               <a:rPr lang="ja-JP" altLang="en-US" dirty="0" smtClean="0"/>
-              <a:t>歩行速度を変えて検出できるかを検証</a:t>
-            </a:r>
-            <a:endParaRPr lang="en-US" altLang="ja-JP" dirty="0" smtClean="0"/>
-          </a:p>
-          <a:p>
-            <a:pPr>
-              <a:buClr>
-                <a:schemeClr val="accent1">
-                  <a:lumMod val="50000"/>
-                </a:schemeClr>
-              </a:buClr>
-              <a:buFont typeface="Wingdings" panose="05000000000000000000" pitchFamily="2" charset="2"/>
-              <a:buChar char="n"/>
-            </a:pPr>
-            <a:r>
-              <a:rPr kumimoji="1" lang="ja-JP" altLang="en-US" dirty="0" smtClean="0"/>
-              <a:t>端末の高さを変えて検出できるかを検証</a:t>
-            </a:r>
-            <a:endParaRPr kumimoji="1" lang="en-US" altLang="ja-JP" dirty="0" smtClean="0"/>
+              <a:t>ラベル</a:t>
+            </a:r>
+            <a:r>
+              <a:rPr lang="en-US" altLang="ja-JP" dirty="0" smtClean="0"/>
+              <a:t>B</a:t>
+            </a:r>
+            <a:r>
+              <a:rPr lang="ja-JP" altLang="en-US" dirty="0" smtClean="0"/>
+              <a:t>検出中</a:t>
+            </a:r>
+            <a:endParaRPr kumimoji="1" lang="ja-JP" altLang="en-US" dirty="0"/>
           </a:p>
         </p:txBody>
       </p:sp>
     </p:spTree>
     <p:extLst>
       <p:ext uri="{BB962C8B-B14F-4D97-AF65-F5344CB8AC3E}">
-        <p14:creationId xmlns:p14="http://schemas.microsoft.com/office/powerpoint/2010/main" val="443114958"/>
+        <p14:creationId xmlns:p14="http://schemas.microsoft.com/office/powerpoint/2010/main" val="3934020971"/>
       </p:ext>
     </p:extLst>
   </p:cSld>
@@ -20666,7 +21956,6 @@
                     <a:rPr lang="ja-JP" altLang="en-US" sz="2400" dirty="0"/>
                     <a:t>主成分分析</a:t>
                   </a:r>
-                  <a:endParaRPr lang="ja-JP" altLang="en-US" sz="2400" dirty="0"/>
                 </a:p>
               </p:txBody>
             </p:sp>
@@ -20721,7 +22010,6 @@
                     <a:rPr lang="ja-JP" altLang="en-US" sz="2400" dirty="0"/>
                     <a:t>フィルタ</a:t>
                   </a:r>
-                  <a:endParaRPr lang="ja-JP" altLang="en-US" sz="2400" dirty="0"/>
                 </a:p>
               </p:txBody>
             </p:sp>
@@ -20810,7 +22098,6 @@
                     <a:rPr lang="ja-JP" altLang="en-US" sz="2400" dirty="0"/>
                     <a:t>ラベル分け</a:t>
                   </a:r>
-                  <a:endParaRPr lang="ja-JP" altLang="en-US" sz="2400" dirty="0"/>
                 </a:p>
               </p:txBody>
             </p:sp>
@@ -20897,7 +22184,6 @@
                     <a:rPr lang="ja-JP" altLang="en-US" sz="2400" dirty="0"/>
                     <a:t>データ調整</a:t>
                   </a:r>
-                  <a:endParaRPr lang="ja-JP" altLang="en-US" sz="2400" dirty="0"/>
                 </a:p>
               </p:txBody>
             </p:sp>
@@ -21361,7 +22647,6 @@
                     <a:rPr lang="ja-JP" altLang="en-US" sz="2400" dirty="0"/>
                     <a:t>閾値フィルタ</a:t>
                   </a:r>
-                  <a:endParaRPr lang="ja-JP" altLang="en-US" sz="2400" dirty="0"/>
                 </a:p>
               </p:txBody>
             </p:sp>
@@ -21687,7 +22972,6 @@
                 <a:rPr lang="ja-JP" altLang="en-US" sz="2800" dirty="0"/>
                 <a:t>検出アルゴリズム</a:t>
               </a:r>
-              <a:endParaRPr lang="ja-JP" altLang="en-US" sz="2800" dirty="0"/>
             </a:p>
           </p:txBody>
         </p:sp>
@@ -21696,6 +22980,1095 @@
     <p:extLst>
       <p:ext uri="{BB962C8B-B14F-4D97-AF65-F5344CB8AC3E}">
         <p14:creationId xmlns:p14="http://schemas.microsoft.com/office/powerpoint/2010/main" val="3298686874"/>
+      </p:ext>
+    </p:extLst>
+  </p:cSld>
+  <p:clrMapOvr>
+    <a:masterClrMapping/>
+  </p:clrMapOvr>
+</p:sld>
+</file>
+
+<file path=ppt/slides/slide30.xml><?xml version="1.0" encoding="utf-8"?>
+<p:sld xmlns:a="http://schemas.openxmlformats.org/drawingml/2006/main" xmlns:r="http://schemas.openxmlformats.org/officeDocument/2006/relationships" xmlns:p="http://schemas.openxmlformats.org/presentationml/2006/main">
+  <p:cSld>
+    <p:spTree>
+      <p:nvGrpSpPr>
+        <p:cNvPr id="1" name=""/>
+        <p:cNvGrpSpPr/>
+        <p:nvPr/>
+      </p:nvGrpSpPr>
+      <p:grpSpPr>
+        <a:xfrm>
+          <a:off x="0" y="0"/>
+          <a:ext cx="0" cy="0"/>
+          <a:chOff x="0" y="0"/>
+          <a:chExt cx="0" cy="0"/>
+        </a:xfrm>
+      </p:grpSpPr>
+      <p:sp>
+        <p:nvSpPr>
+          <p:cNvPr id="2" name="タイトル 1"/>
+          <p:cNvSpPr>
+            <a:spLocks noGrp="1"/>
+          </p:cNvSpPr>
+          <p:nvPr>
+            <p:ph type="title"/>
+          </p:nvPr>
+        </p:nvSpPr>
+        <p:spPr/>
+        <p:txBody>
+          <a:bodyPr/>
+          <a:lstStyle/>
+          <a:p>
+            <a:endParaRPr kumimoji="1" lang="ja-JP" altLang="en-US"/>
+          </a:p>
+        </p:txBody>
+      </p:sp>
+      <p:pic>
+        <p:nvPicPr>
+          <p:cNvPr id="4" name="図 3"/>
+          <p:cNvPicPr>
+            <a:picLocks noChangeAspect="1"/>
+          </p:cNvPicPr>
+          <p:nvPr/>
+        </p:nvPicPr>
+        <p:blipFill rotWithShape="1">
+          <a:blip r:embed="rId2"/>
+          <a:srcRect l="24804" t="18289" r="28773" b="20518"/>
+          <a:stretch/>
+        </p:blipFill>
+        <p:spPr>
+          <a:xfrm>
+            <a:off x="3335629" y="2210913"/>
+            <a:ext cx="4340180" cy="3417155"/>
+          </a:xfrm>
+          <a:prstGeom prst="rect">
+            <a:avLst/>
+          </a:prstGeom>
+        </p:spPr>
+      </p:pic>
+      <p:cxnSp>
+        <p:nvCxnSpPr>
+          <p:cNvPr id="6" name="直線矢印コネクタ 5"/>
+          <p:cNvCxnSpPr/>
+          <p:nvPr/>
+        </p:nvCxnSpPr>
+        <p:spPr>
+          <a:xfrm flipV="1">
+            <a:off x="3245476" y="2146412"/>
+            <a:ext cx="0" cy="3420000"/>
+          </a:xfrm>
+          <a:prstGeom prst="straightConnector1">
+            <a:avLst/>
+          </a:prstGeom>
+          <a:ln>
+            <a:tailEnd type="triangle"/>
+          </a:ln>
+        </p:spPr>
+        <p:style>
+          <a:lnRef idx="3">
+            <a:schemeClr val="dk1"/>
+          </a:lnRef>
+          <a:fillRef idx="0">
+            <a:schemeClr val="dk1"/>
+          </a:fillRef>
+          <a:effectRef idx="2">
+            <a:schemeClr val="dk1"/>
+          </a:effectRef>
+          <a:fontRef idx="minor">
+            <a:schemeClr val="tx1"/>
+          </a:fontRef>
+        </p:style>
+      </p:cxnSp>
+      <p:sp>
+        <p:nvSpPr>
+          <p:cNvPr id="7" name="テキスト ボックス 6"/>
+          <p:cNvSpPr txBox="1"/>
+          <p:nvPr/>
+        </p:nvSpPr>
+        <p:spPr>
+          <a:xfrm>
+            <a:off x="2826772" y="2026247"/>
+            <a:ext cx="418704" cy="369332"/>
+          </a:xfrm>
+          <a:prstGeom prst="rect">
+            <a:avLst/>
+          </a:prstGeom>
+          <a:noFill/>
+        </p:spPr>
+        <p:txBody>
+          <a:bodyPr wrap="none" rtlCol="0">
+            <a:spAutoFit/>
+          </a:bodyPr>
+          <a:lstStyle/>
+          <a:p>
+            <a:r>
+              <a:rPr kumimoji="1" lang="en-US" altLang="ja-JP" dirty="0" smtClean="0"/>
+              <a:t>20</a:t>
+            </a:r>
+            <a:endParaRPr kumimoji="1" lang="ja-JP" altLang="en-US" dirty="0"/>
+          </a:p>
+        </p:txBody>
+      </p:sp>
+      <p:sp>
+        <p:nvSpPr>
+          <p:cNvPr id="9" name="テキスト ボックス 8"/>
+          <p:cNvSpPr txBox="1"/>
+          <p:nvPr/>
+        </p:nvSpPr>
+        <p:spPr>
+          <a:xfrm>
+            <a:off x="2826772" y="5317245"/>
+            <a:ext cx="489236" cy="369332"/>
+          </a:xfrm>
+          <a:prstGeom prst="rect">
+            <a:avLst/>
+          </a:prstGeom>
+          <a:noFill/>
+        </p:spPr>
+        <p:txBody>
+          <a:bodyPr wrap="none" rtlCol="0">
+            <a:spAutoFit/>
+          </a:bodyPr>
+          <a:lstStyle/>
+          <a:p>
+            <a:r>
+              <a:rPr kumimoji="1" lang="en-US" altLang="ja-JP" dirty="0" smtClean="0"/>
+              <a:t>-20</a:t>
+            </a:r>
+            <a:endParaRPr kumimoji="1" lang="ja-JP" altLang="en-US" dirty="0"/>
+          </a:p>
+        </p:txBody>
+      </p:sp>
+      <p:sp>
+        <p:nvSpPr>
+          <p:cNvPr id="10" name="テキスト ボックス 9"/>
+          <p:cNvSpPr txBox="1"/>
+          <p:nvPr/>
+        </p:nvSpPr>
+        <p:spPr>
+          <a:xfrm>
+            <a:off x="3104251" y="1766135"/>
+            <a:ext cx="423514" cy="369332"/>
+          </a:xfrm>
+          <a:prstGeom prst="rect">
+            <a:avLst/>
+          </a:prstGeom>
+          <a:noFill/>
+        </p:spPr>
+        <p:txBody>
+          <a:bodyPr wrap="none" rtlCol="0">
+            <a:spAutoFit/>
+          </a:bodyPr>
+          <a:lstStyle/>
+          <a:p>
+            <a:r>
+              <a:rPr lang="en-US" altLang="ja-JP" dirty="0" err="1" smtClean="0"/>
+              <a:t>μT</a:t>
+            </a:r>
+            <a:endParaRPr kumimoji="1" lang="ja-JP" altLang="en-US" dirty="0"/>
+          </a:p>
+        </p:txBody>
+      </p:sp>
+      <p:sp>
+        <p:nvSpPr>
+          <p:cNvPr id="11" name="テキスト ボックス 10"/>
+          <p:cNvSpPr txBox="1"/>
+          <p:nvPr/>
+        </p:nvSpPr>
+        <p:spPr>
+          <a:xfrm>
+            <a:off x="7695430" y="3734824"/>
+            <a:ext cx="707245" cy="369332"/>
+          </a:xfrm>
+          <a:prstGeom prst="rect">
+            <a:avLst/>
+          </a:prstGeom>
+          <a:noFill/>
+        </p:spPr>
+        <p:txBody>
+          <a:bodyPr wrap="none" rtlCol="0">
+            <a:spAutoFit/>
+          </a:bodyPr>
+          <a:lstStyle/>
+          <a:p>
+            <a:r>
+              <a:rPr kumimoji="1" lang="en-US" altLang="ja-JP" dirty="0" smtClean="0"/>
+              <a:t>5.6</a:t>
+            </a:r>
+            <a:r>
+              <a:rPr kumimoji="1" lang="ja-JP" altLang="en-US" dirty="0" smtClean="0"/>
+              <a:t>秒</a:t>
+            </a:r>
+            <a:endParaRPr kumimoji="1" lang="ja-JP" altLang="en-US" dirty="0"/>
+          </a:p>
+        </p:txBody>
+      </p:sp>
+      <p:cxnSp>
+        <p:nvCxnSpPr>
+          <p:cNvPr id="5" name="直線矢印コネクタ 4"/>
+          <p:cNvCxnSpPr>
+            <a:stCxn id="8" idx="0"/>
+          </p:cNvCxnSpPr>
+          <p:nvPr/>
+        </p:nvCxnSpPr>
+        <p:spPr>
+          <a:xfrm flipV="1">
+            <a:off x="5740132" y="5628068"/>
+            <a:ext cx="467485" cy="727102"/>
+          </a:xfrm>
+          <a:prstGeom prst="straightConnector1">
+            <a:avLst/>
+          </a:prstGeom>
+          <a:ln>
+            <a:tailEnd type="triangle"/>
+          </a:ln>
+        </p:spPr>
+        <p:style>
+          <a:lnRef idx="1">
+            <a:schemeClr val="accent1"/>
+          </a:lnRef>
+          <a:fillRef idx="0">
+            <a:schemeClr val="accent1"/>
+          </a:fillRef>
+          <a:effectRef idx="0">
+            <a:schemeClr val="accent1"/>
+          </a:effectRef>
+          <a:fontRef idx="minor">
+            <a:schemeClr val="tx1"/>
+          </a:fontRef>
+        </p:style>
+      </p:cxnSp>
+      <p:sp>
+        <p:nvSpPr>
+          <p:cNvPr id="8" name="テキスト ボックス 7"/>
+          <p:cNvSpPr txBox="1"/>
+          <p:nvPr/>
+        </p:nvSpPr>
+        <p:spPr>
+          <a:xfrm>
+            <a:off x="4917631" y="6355170"/>
+            <a:ext cx="1645002" cy="369332"/>
+          </a:xfrm>
+          <a:prstGeom prst="rect">
+            <a:avLst/>
+          </a:prstGeom>
+          <a:noFill/>
+        </p:spPr>
+        <p:txBody>
+          <a:bodyPr wrap="none" rtlCol="0">
+            <a:spAutoFit/>
+          </a:bodyPr>
+          <a:lstStyle/>
+          <a:p>
+            <a:r>
+              <a:rPr lang="ja-JP" altLang="en-US" dirty="0" smtClean="0"/>
+              <a:t>ラベル</a:t>
+            </a:r>
+            <a:r>
+              <a:rPr lang="en-US" altLang="ja-JP" dirty="0"/>
+              <a:t>A</a:t>
+            </a:r>
+            <a:r>
+              <a:rPr lang="ja-JP" altLang="en-US" dirty="0" smtClean="0"/>
+              <a:t>検出中</a:t>
+            </a:r>
+            <a:endParaRPr kumimoji="1" lang="ja-JP" altLang="en-US" dirty="0"/>
+          </a:p>
+        </p:txBody>
+      </p:sp>
+    </p:spTree>
+    <p:extLst>
+      <p:ext uri="{BB962C8B-B14F-4D97-AF65-F5344CB8AC3E}">
+        <p14:creationId xmlns:p14="http://schemas.microsoft.com/office/powerpoint/2010/main" val="3657719265"/>
+      </p:ext>
+    </p:extLst>
+  </p:cSld>
+  <p:clrMapOvr>
+    <a:masterClrMapping/>
+  </p:clrMapOvr>
+</p:sld>
+</file>
+
+<file path=ppt/slides/slide31.xml><?xml version="1.0" encoding="utf-8"?>
+<p:sld xmlns:a="http://schemas.openxmlformats.org/drawingml/2006/main" xmlns:r="http://schemas.openxmlformats.org/officeDocument/2006/relationships" xmlns:p="http://schemas.openxmlformats.org/presentationml/2006/main">
+  <p:cSld>
+    <p:spTree>
+      <p:nvGrpSpPr>
+        <p:cNvPr id="1" name=""/>
+        <p:cNvGrpSpPr/>
+        <p:nvPr/>
+      </p:nvGrpSpPr>
+      <p:grpSpPr>
+        <a:xfrm>
+          <a:off x="0" y="0"/>
+          <a:ext cx="0" cy="0"/>
+          <a:chOff x="0" y="0"/>
+          <a:chExt cx="0" cy="0"/>
+        </a:xfrm>
+      </p:grpSpPr>
+      <p:sp>
+        <p:nvSpPr>
+          <p:cNvPr id="2" name="タイトル 1"/>
+          <p:cNvSpPr>
+            <a:spLocks noGrp="1"/>
+          </p:cNvSpPr>
+          <p:nvPr>
+            <p:ph type="title"/>
+          </p:nvPr>
+        </p:nvSpPr>
+        <p:spPr/>
+        <p:txBody>
+          <a:bodyPr/>
+          <a:lstStyle/>
+          <a:p>
+            <a:endParaRPr kumimoji="1" lang="ja-JP" altLang="en-US"/>
+          </a:p>
+        </p:txBody>
+      </p:sp>
+      <p:pic>
+        <p:nvPicPr>
+          <p:cNvPr id="4" name="図 3"/>
+          <p:cNvPicPr>
+            <a:picLocks noChangeAspect="1"/>
+          </p:cNvPicPr>
+          <p:nvPr/>
+        </p:nvPicPr>
+        <p:blipFill rotWithShape="1">
+          <a:blip r:embed="rId2"/>
+          <a:srcRect l="24804" t="18289" r="28773" b="20518"/>
+          <a:stretch/>
+        </p:blipFill>
+        <p:spPr>
+          <a:xfrm>
+            <a:off x="3335629" y="2210913"/>
+            <a:ext cx="4340180" cy="3417155"/>
+          </a:xfrm>
+          <a:prstGeom prst="rect">
+            <a:avLst/>
+          </a:prstGeom>
+        </p:spPr>
+      </p:pic>
+      <p:cxnSp>
+        <p:nvCxnSpPr>
+          <p:cNvPr id="6" name="直線矢印コネクタ 5"/>
+          <p:cNvCxnSpPr/>
+          <p:nvPr/>
+        </p:nvCxnSpPr>
+        <p:spPr>
+          <a:xfrm flipV="1">
+            <a:off x="3245476" y="2146412"/>
+            <a:ext cx="0" cy="3420000"/>
+          </a:xfrm>
+          <a:prstGeom prst="straightConnector1">
+            <a:avLst/>
+          </a:prstGeom>
+          <a:ln>
+            <a:tailEnd type="triangle"/>
+          </a:ln>
+        </p:spPr>
+        <p:style>
+          <a:lnRef idx="3">
+            <a:schemeClr val="dk1"/>
+          </a:lnRef>
+          <a:fillRef idx="0">
+            <a:schemeClr val="dk1"/>
+          </a:fillRef>
+          <a:effectRef idx="2">
+            <a:schemeClr val="dk1"/>
+          </a:effectRef>
+          <a:fontRef idx="minor">
+            <a:schemeClr val="tx1"/>
+          </a:fontRef>
+        </p:style>
+      </p:cxnSp>
+      <p:sp>
+        <p:nvSpPr>
+          <p:cNvPr id="7" name="テキスト ボックス 6"/>
+          <p:cNvSpPr txBox="1"/>
+          <p:nvPr/>
+        </p:nvSpPr>
+        <p:spPr>
+          <a:xfrm>
+            <a:off x="2826772" y="2026247"/>
+            <a:ext cx="418704" cy="369332"/>
+          </a:xfrm>
+          <a:prstGeom prst="rect">
+            <a:avLst/>
+          </a:prstGeom>
+          <a:noFill/>
+        </p:spPr>
+        <p:txBody>
+          <a:bodyPr wrap="none" rtlCol="0">
+            <a:spAutoFit/>
+          </a:bodyPr>
+          <a:lstStyle/>
+          <a:p>
+            <a:r>
+              <a:rPr kumimoji="1" lang="en-US" altLang="ja-JP" dirty="0" smtClean="0"/>
+              <a:t>20</a:t>
+            </a:r>
+            <a:endParaRPr kumimoji="1" lang="ja-JP" altLang="en-US" dirty="0"/>
+          </a:p>
+        </p:txBody>
+      </p:sp>
+      <p:sp>
+        <p:nvSpPr>
+          <p:cNvPr id="9" name="テキスト ボックス 8"/>
+          <p:cNvSpPr txBox="1"/>
+          <p:nvPr/>
+        </p:nvSpPr>
+        <p:spPr>
+          <a:xfrm>
+            <a:off x="2826772" y="5317245"/>
+            <a:ext cx="489236" cy="369332"/>
+          </a:xfrm>
+          <a:prstGeom prst="rect">
+            <a:avLst/>
+          </a:prstGeom>
+          <a:noFill/>
+        </p:spPr>
+        <p:txBody>
+          <a:bodyPr wrap="none" rtlCol="0">
+            <a:spAutoFit/>
+          </a:bodyPr>
+          <a:lstStyle/>
+          <a:p>
+            <a:r>
+              <a:rPr kumimoji="1" lang="en-US" altLang="ja-JP" dirty="0" smtClean="0"/>
+              <a:t>-20</a:t>
+            </a:r>
+            <a:endParaRPr kumimoji="1" lang="ja-JP" altLang="en-US" dirty="0"/>
+          </a:p>
+        </p:txBody>
+      </p:sp>
+      <p:sp>
+        <p:nvSpPr>
+          <p:cNvPr id="10" name="テキスト ボックス 9"/>
+          <p:cNvSpPr txBox="1"/>
+          <p:nvPr/>
+        </p:nvSpPr>
+        <p:spPr>
+          <a:xfrm>
+            <a:off x="3104251" y="1766135"/>
+            <a:ext cx="423514" cy="369332"/>
+          </a:xfrm>
+          <a:prstGeom prst="rect">
+            <a:avLst/>
+          </a:prstGeom>
+          <a:noFill/>
+        </p:spPr>
+        <p:txBody>
+          <a:bodyPr wrap="none" rtlCol="0">
+            <a:spAutoFit/>
+          </a:bodyPr>
+          <a:lstStyle/>
+          <a:p>
+            <a:r>
+              <a:rPr lang="en-US" altLang="ja-JP" dirty="0" err="1" smtClean="0"/>
+              <a:t>μT</a:t>
+            </a:r>
+            <a:endParaRPr kumimoji="1" lang="ja-JP" altLang="en-US" dirty="0"/>
+          </a:p>
+        </p:txBody>
+      </p:sp>
+      <p:sp>
+        <p:nvSpPr>
+          <p:cNvPr id="11" name="テキスト ボックス 10"/>
+          <p:cNvSpPr txBox="1"/>
+          <p:nvPr/>
+        </p:nvSpPr>
+        <p:spPr>
+          <a:xfrm>
+            <a:off x="7695430" y="3734824"/>
+            <a:ext cx="707245" cy="369332"/>
+          </a:xfrm>
+          <a:prstGeom prst="rect">
+            <a:avLst/>
+          </a:prstGeom>
+          <a:noFill/>
+        </p:spPr>
+        <p:txBody>
+          <a:bodyPr wrap="none" rtlCol="0">
+            <a:spAutoFit/>
+          </a:bodyPr>
+          <a:lstStyle/>
+          <a:p>
+            <a:r>
+              <a:rPr kumimoji="1" lang="en-US" altLang="ja-JP" dirty="0" smtClean="0"/>
+              <a:t>5.6</a:t>
+            </a:r>
+            <a:r>
+              <a:rPr kumimoji="1" lang="ja-JP" altLang="en-US" dirty="0" smtClean="0"/>
+              <a:t>秒</a:t>
+            </a:r>
+            <a:endParaRPr kumimoji="1" lang="ja-JP" altLang="en-US" dirty="0"/>
+          </a:p>
+        </p:txBody>
+      </p:sp>
+      <p:cxnSp>
+        <p:nvCxnSpPr>
+          <p:cNvPr id="5" name="直線矢印コネクタ 4"/>
+          <p:cNvCxnSpPr>
+            <a:stCxn id="8" idx="0"/>
+          </p:cNvCxnSpPr>
+          <p:nvPr/>
+        </p:nvCxnSpPr>
+        <p:spPr>
+          <a:xfrm flipH="1" flipV="1">
+            <a:off x="5692462" y="5686578"/>
+            <a:ext cx="42861" cy="668592"/>
+          </a:xfrm>
+          <a:prstGeom prst="straightConnector1">
+            <a:avLst/>
+          </a:prstGeom>
+          <a:ln>
+            <a:tailEnd type="triangle"/>
+          </a:ln>
+        </p:spPr>
+        <p:style>
+          <a:lnRef idx="1">
+            <a:schemeClr val="accent1"/>
+          </a:lnRef>
+          <a:fillRef idx="0">
+            <a:schemeClr val="accent1"/>
+          </a:fillRef>
+          <a:effectRef idx="0">
+            <a:schemeClr val="accent1"/>
+          </a:effectRef>
+          <a:fontRef idx="minor">
+            <a:schemeClr val="tx1"/>
+          </a:fontRef>
+        </p:style>
+      </p:cxnSp>
+      <p:sp>
+        <p:nvSpPr>
+          <p:cNvPr id="8" name="テキスト ボックス 7"/>
+          <p:cNvSpPr txBox="1"/>
+          <p:nvPr/>
+        </p:nvSpPr>
+        <p:spPr>
+          <a:xfrm>
+            <a:off x="4917631" y="6355170"/>
+            <a:ext cx="1635384" cy="369332"/>
+          </a:xfrm>
+          <a:prstGeom prst="rect">
+            <a:avLst/>
+          </a:prstGeom>
+          <a:noFill/>
+        </p:spPr>
+        <p:txBody>
+          <a:bodyPr wrap="none" rtlCol="0">
+            <a:spAutoFit/>
+          </a:bodyPr>
+          <a:lstStyle/>
+          <a:p>
+            <a:r>
+              <a:rPr lang="ja-JP" altLang="en-US" dirty="0" smtClean="0"/>
+              <a:t>ラベル</a:t>
+            </a:r>
+            <a:r>
+              <a:rPr lang="en-US" altLang="ja-JP" dirty="0" smtClean="0"/>
+              <a:t>C</a:t>
+            </a:r>
+            <a:r>
+              <a:rPr lang="ja-JP" altLang="en-US" dirty="0" smtClean="0"/>
+              <a:t>検出中</a:t>
+            </a:r>
+            <a:endParaRPr kumimoji="1" lang="ja-JP" altLang="en-US" dirty="0"/>
+          </a:p>
+        </p:txBody>
+      </p:sp>
+    </p:spTree>
+    <p:extLst>
+      <p:ext uri="{BB962C8B-B14F-4D97-AF65-F5344CB8AC3E}">
+        <p14:creationId xmlns:p14="http://schemas.microsoft.com/office/powerpoint/2010/main" val="1317639092"/>
+      </p:ext>
+    </p:extLst>
+  </p:cSld>
+  <p:clrMapOvr>
+    <a:masterClrMapping/>
+  </p:clrMapOvr>
+</p:sld>
+</file>
+
+<file path=ppt/slides/slide32.xml><?xml version="1.0" encoding="utf-8"?>
+<p:sld xmlns:a="http://schemas.openxmlformats.org/drawingml/2006/main" xmlns:r="http://schemas.openxmlformats.org/officeDocument/2006/relationships" xmlns:p="http://schemas.openxmlformats.org/presentationml/2006/main">
+  <p:cSld>
+    <p:spTree>
+      <p:nvGrpSpPr>
+        <p:cNvPr id="1" name=""/>
+        <p:cNvGrpSpPr/>
+        <p:nvPr/>
+      </p:nvGrpSpPr>
+      <p:grpSpPr>
+        <a:xfrm>
+          <a:off x="0" y="0"/>
+          <a:ext cx="0" cy="0"/>
+          <a:chOff x="0" y="0"/>
+          <a:chExt cx="0" cy="0"/>
+        </a:xfrm>
+      </p:grpSpPr>
+      <p:pic>
+        <p:nvPicPr>
+          <p:cNvPr id="4" name="図 3"/>
+          <p:cNvPicPr>
+            <a:picLocks noChangeAspect="1"/>
+          </p:cNvPicPr>
+          <p:nvPr/>
+        </p:nvPicPr>
+        <p:blipFill>
+          <a:blip r:embed="rId2" cstate="print">
+            <a:extLst>
+              <a:ext uri="{28A0092B-C50C-407E-A947-70E740481C1C}">
+                <a14:useLocalDpi xmlns:a14="http://schemas.microsoft.com/office/drawing/2010/main" val="0"/>
+              </a:ext>
+            </a:extLst>
+          </a:blip>
+          <a:stretch>
+            <a:fillRect/>
+          </a:stretch>
+        </p:blipFill>
+        <p:spPr>
+          <a:xfrm>
+            <a:off x="2506815" y="1056068"/>
+            <a:ext cx="7315300" cy="4836017"/>
+          </a:xfrm>
+          <a:prstGeom prst="rect">
+            <a:avLst/>
+          </a:prstGeom>
+        </p:spPr>
+      </p:pic>
+      <p:sp>
+        <p:nvSpPr>
+          <p:cNvPr id="5" name="正方形/長方形 4"/>
+          <p:cNvSpPr/>
+          <p:nvPr/>
+        </p:nvSpPr>
+        <p:spPr>
+          <a:xfrm>
+            <a:off x="2910625" y="3863662"/>
+            <a:ext cx="4095482" cy="1790164"/>
+          </a:xfrm>
+          <a:prstGeom prst="rect">
+            <a:avLst/>
+          </a:prstGeom>
+          <a:noFill/>
+          <a:ln w="76200">
+            <a:solidFill>
+              <a:srgbClr val="FF0000"/>
+            </a:solidFill>
+          </a:ln>
+        </p:spPr>
+        <p:style>
+          <a:lnRef idx="2">
+            <a:schemeClr val="accent1">
+              <a:shade val="50000"/>
+            </a:schemeClr>
+          </a:lnRef>
+          <a:fillRef idx="1">
+            <a:schemeClr val="accent1"/>
+          </a:fillRef>
+          <a:effectRef idx="0">
+            <a:schemeClr val="accent1"/>
+          </a:effectRef>
+          <a:fontRef idx="minor">
+            <a:schemeClr val="lt1"/>
+          </a:fontRef>
+        </p:style>
+        <p:txBody>
+          <a:bodyPr rtlCol="0" anchor="ctr"/>
+          <a:lstStyle/>
+          <a:p>
+            <a:pPr algn="ctr"/>
+            <a:endParaRPr kumimoji="1" lang="ja-JP" altLang="en-US"/>
+          </a:p>
+        </p:txBody>
+      </p:sp>
+      <p:cxnSp>
+        <p:nvCxnSpPr>
+          <p:cNvPr id="7" name="直線矢印コネクタ 6"/>
+          <p:cNvCxnSpPr/>
+          <p:nvPr/>
+        </p:nvCxnSpPr>
+        <p:spPr>
+          <a:xfrm>
+            <a:off x="2034862" y="3474076"/>
+            <a:ext cx="875763" cy="492617"/>
+          </a:xfrm>
+          <a:prstGeom prst="straightConnector1">
+            <a:avLst/>
+          </a:prstGeom>
+          <a:ln w="38100">
+            <a:solidFill>
+              <a:srgbClr val="FF0000"/>
+            </a:solidFill>
+            <a:tailEnd type="triangle"/>
+          </a:ln>
+        </p:spPr>
+        <p:style>
+          <a:lnRef idx="1">
+            <a:schemeClr val="accent1"/>
+          </a:lnRef>
+          <a:fillRef idx="0">
+            <a:schemeClr val="accent1"/>
+          </a:fillRef>
+          <a:effectRef idx="0">
+            <a:schemeClr val="accent1"/>
+          </a:effectRef>
+          <a:fontRef idx="minor">
+            <a:schemeClr val="tx1"/>
+          </a:fontRef>
+        </p:style>
+      </p:cxnSp>
+      <p:sp>
+        <p:nvSpPr>
+          <p:cNvPr id="8" name="テキスト ボックス 7"/>
+          <p:cNvSpPr txBox="1"/>
+          <p:nvPr/>
+        </p:nvSpPr>
+        <p:spPr>
+          <a:xfrm>
+            <a:off x="1419309" y="2266682"/>
+            <a:ext cx="615553" cy="1870064"/>
+          </a:xfrm>
+          <a:prstGeom prst="rect">
+            <a:avLst/>
+          </a:prstGeom>
+          <a:noFill/>
+          <a:ln w="28575">
+            <a:solidFill>
+              <a:srgbClr val="FF0000"/>
+            </a:solidFill>
+          </a:ln>
+        </p:spPr>
+        <p:txBody>
+          <a:bodyPr vert="eaVert" wrap="none" rtlCol="0">
+            <a:spAutoFit/>
+          </a:bodyPr>
+          <a:lstStyle/>
+          <a:p>
+            <a:r>
+              <a:rPr kumimoji="1" lang="ja-JP" altLang="en-US" sz="2800" dirty="0" smtClean="0"/>
+              <a:t>変更が必要</a:t>
+            </a:r>
+            <a:endParaRPr kumimoji="1" lang="ja-JP" altLang="en-US" sz="2800" dirty="0"/>
+          </a:p>
+        </p:txBody>
+      </p:sp>
+    </p:spTree>
+    <p:extLst>
+      <p:ext uri="{BB962C8B-B14F-4D97-AF65-F5344CB8AC3E}">
+        <p14:creationId xmlns:p14="http://schemas.microsoft.com/office/powerpoint/2010/main" val="3469072803"/>
+      </p:ext>
+    </p:extLst>
+  </p:cSld>
+  <p:clrMapOvr>
+    <a:masterClrMapping/>
+  </p:clrMapOvr>
+</p:sld>
+</file>
+
+<file path=ppt/slides/slide33.xml><?xml version="1.0" encoding="utf-8"?>
+<p:sld xmlns:a="http://schemas.openxmlformats.org/drawingml/2006/main" xmlns:r="http://schemas.openxmlformats.org/officeDocument/2006/relationships" xmlns:p="http://schemas.openxmlformats.org/presentationml/2006/main">
+  <p:cSld>
+    <p:spTree>
+      <p:nvGrpSpPr>
+        <p:cNvPr id="1" name=""/>
+        <p:cNvGrpSpPr/>
+        <p:nvPr/>
+      </p:nvGrpSpPr>
+      <p:grpSpPr>
+        <a:xfrm>
+          <a:off x="0" y="0"/>
+          <a:ext cx="0" cy="0"/>
+          <a:chOff x="0" y="0"/>
+          <a:chExt cx="0" cy="0"/>
+        </a:xfrm>
+      </p:grpSpPr>
+      <p:sp>
+        <p:nvSpPr>
+          <p:cNvPr id="2" name="タイトル 1"/>
+          <p:cNvSpPr>
+            <a:spLocks noGrp="1"/>
+          </p:cNvSpPr>
+          <p:nvPr>
+            <p:ph type="title"/>
+          </p:nvPr>
+        </p:nvSpPr>
+        <p:spPr/>
+        <p:txBody>
+          <a:bodyPr/>
+          <a:lstStyle/>
+          <a:p>
+            <a:r>
+              <a:rPr kumimoji="1" lang="ja-JP" altLang="en-US" dirty="0" smtClean="0"/>
+              <a:t>ラベル付けの変更</a:t>
+            </a:r>
+            <a:endParaRPr kumimoji="1" lang="ja-JP" altLang="en-US" dirty="0"/>
+          </a:p>
+        </p:txBody>
+      </p:sp>
+      <p:sp>
+        <p:nvSpPr>
+          <p:cNvPr id="3" name="コンテンツ プレースホルダー 2"/>
+          <p:cNvSpPr>
+            <a:spLocks noGrp="1"/>
+          </p:cNvSpPr>
+          <p:nvPr>
+            <p:ph idx="1"/>
+          </p:nvPr>
+        </p:nvSpPr>
+        <p:spPr/>
+        <p:txBody>
+          <a:bodyPr/>
+          <a:lstStyle/>
+          <a:p>
+            <a:pPr>
+              <a:buClr>
+                <a:schemeClr val="accent1">
+                  <a:lumMod val="50000"/>
+                </a:schemeClr>
+              </a:buClr>
+              <a:buFont typeface="Wingdings" panose="05000000000000000000" pitchFamily="2" charset="2"/>
+              <a:buChar char="n"/>
+            </a:pPr>
+            <a:r>
+              <a:rPr kumimoji="1" lang="ja-JP" altLang="en-US" dirty="0" smtClean="0"/>
+              <a:t>閾値の変更</a:t>
+            </a:r>
+            <a:endParaRPr kumimoji="1" lang="en-US" altLang="ja-JP" dirty="0" smtClean="0"/>
+          </a:p>
+          <a:p>
+            <a:pPr lvl="1">
+              <a:buClr>
+                <a:schemeClr val="accent1"/>
+              </a:buClr>
+              <a:buFont typeface="Wingdings" panose="05000000000000000000" pitchFamily="2" charset="2"/>
+              <a:buChar char="n"/>
+            </a:pPr>
+            <a:r>
+              <a:rPr lang="ja-JP" altLang="en-US" dirty="0" smtClean="0"/>
+              <a:t>固定値でなく観測した値から決定</a:t>
+            </a:r>
+            <a:endParaRPr lang="en-US" altLang="ja-JP" dirty="0" smtClean="0"/>
+          </a:p>
+          <a:p>
+            <a:pPr lvl="2">
+              <a:buClr>
+                <a:schemeClr val="accent1">
+                  <a:lumMod val="50000"/>
+                </a:schemeClr>
+              </a:buClr>
+              <a:buFont typeface="Wingdings" panose="05000000000000000000" pitchFamily="2" charset="2"/>
+              <a:buChar char="p"/>
+            </a:pPr>
+            <a:r>
+              <a:rPr lang="ja-JP" altLang="en-US" dirty="0" smtClean="0"/>
+              <a:t>平均値を超えるか</a:t>
+            </a:r>
+            <a:endParaRPr lang="en-US" altLang="ja-JP" dirty="0" smtClean="0"/>
+          </a:p>
+          <a:p>
+            <a:pPr lvl="2">
+              <a:buClr>
+                <a:schemeClr val="accent1">
+                  <a:lumMod val="50000"/>
+                </a:schemeClr>
+              </a:buClr>
+              <a:buFont typeface="Wingdings" panose="05000000000000000000" pitchFamily="2" charset="2"/>
+              <a:buChar char="p"/>
+            </a:pPr>
+            <a:r>
+              <a:rPr lang="ja-JP" altLang="en-US" dirty="0" smtClean="0"/>
+              <a:t>歩行データを参考に決定</a:t>
+            </a:r>
+            <a:endParaRPr lang="en-US" altLang="ja-JP" dirty="0" smtClean="0"/>
+          </a:p>
+          <a:p>
+            <a:pPr>
+              <a:buClr>
+                <a:schemeClr val="accent1">
+                  <a:lumMod val="50000"/>
+                </a:schemeClr>
+              </a:buClr>
+              <a:buFont typeface="Wingdings" panose="05000000000000000000" pitchFamily="2" charset="2"/>
+              <a:buChar char="n"/>
+            </a:pPr>
+            <a:r>
+              <a:rPr lang="ja-JP" altLang="en-US" dirty="0" smtClean="0"/>
+              <a:t>通過を検出したら必ずラベル付けを行う</a:t>
+            </a:r>
+            <a:endParaRPr lang="en-US" altLang="ja-JP" dirty="0" smtClean="0"/>
+          </a:p>
+          <a:p>
+            <a:pPr lvl="1">
+              <a:buClr>
+                <a:schemeClr val="accent1"/>
+              </a:buClr>
+              <a:buFont typeface="Wingdings" panose="05000000000000000000" pitchFamily="2" charset="2"/>
+              <a:buChar char="n"/>
+            </a:pPr>
+            <a:r>
+              <a:rPr lang="ja-JP" altLang="en-US" dirty="0" smtClean="0"/>
+              <a:t>閾値でなく、一番高いスペクトルを持つ周波数でラベル付け</a:t>
+            </a:r>
+            <a:endParaRPr lang="en-US" altLang="ja-JP" dirty="0"/>
+          </a:p>
+          <a:p>
+            <a:pPr lvl="1">
+              <a:buClr>
+                <a:schemeClr val="accent1"/>
+              </a:buClr>
+              <a:buFont typeface="Wingdings" panose="05000000000000000000" pitchFamily="2" charset="2"/>
+              <a:buChar char="n"/>
+            </a:pPr>
+            <a:r>
+              <a:rPr lang="ja-JP" altLang="en-US" dirty="0" smtClean="0"/>
+              <a:t>スペクトルの微分値を用いて変化の大きい値でラベル付け</a:t>
+            </a:r>
+            <a:endParaRPr lang="en-US" altLang="ja-JP" dirty="0" smtClean="0"/>
+          </a:p>
+          <a:p>
+            <a:pPr lvl="1">
+              <a:buClr>
+                <a:schemeClr val="accent1">
+                  <a:lumMod val="50000"/>
+                </a:schemeClr>
+              </a:buClr>
+              <a:buFont typeface="Wingdings" panose="05000000000000000000" pitchFamily="2" charset="2"/>
+              <a:buChar char="n"/>
+            </a:pPr>
+            <a:endParaRPr lang="en-US" altLang="ja-JP" dirty="0" smtClean="0"/>
+          </a:p>
+          <a:p>
+            <a:pPr lvl="1">
+              <a:buClr>
+                <a:schemeClr val="accent1">
+                  <a:lumMod val="50000"/>
+                </a:schemeClr>
+              </a:buClr>
+              <a:buFont typeface="Wingdings" panose="05000000000000000000" pitchFamily="2" charset="2"/>
+              <a:buChar char="n"/>
+            </a:pPr>
+            <a:endParaRPr kumimoji="1" lang="ja-JP" altLang="en-US" dirty="0"/>
+          </a:p>
+        </p:txBody>
+      </p:sp>
+    </p:spTree>
+    <p:extLst>
+      <p:ext uri="{BB962C8B-B14F-4D97-AF65-F5344CB8AC3E}">
+        <p14:creationId xmlns:p14="http://schemas.microsoft.com/office/powerpoint/2010/main" val="4113418090"/>
+      </p:ext>
+    </p:extLst>
+  </p:cSld>
+  <p:clrMapOvr>
+    <a:masterClrMapping/>
+  </p:clrMapOvr>
+</p:sld>
+</file>
+
+<file path=ppt/slides/slide34.xml><?xml version="1.0" encoding="utf-8"?>
+<p:sld xmlns:a="http://schemas.openxmlformats.org/drawingml/2006/main" xmlns:r="http://schemas.openxmlformats.org/officeDocument/2006/relationships" xmlns:p="http://schemas.openxmlformats.org/presentationml/2006/main">
+  <p:cSld>
+    <p:spTree>
+      <p:nvGrpSpPr>
+        <p:cNvPr id="1" name=""/>
+        <p:cNvGrpSpPr/>
+        <p:nvPr/>
+      </p:nvGrpSpPr>
+      <p:grpSpPr>
+        <a:xfrm>
+          <a:off x="0" y="0"/>
+          <a:ext cx="0" cy="0"/>
+          <a:chOff x="0" y="0"/>
+          <a:chExt cx="0" cy="0"/>
+        </a:xfrm>
+      </p:grpSpPr>
+      <p:sp>
+        <p:nvSpPr>
+          <p:cNvPr id="2" name="タイトル 1"/>
+          <p:cNvSpPr>
+            <a:spLocks noGrp="1"/>
+          </p:cNvSpPr>
+          <p:nvPr>
+            <p:ph type="title"/>
+          </p:nvPr>
+        </p:nvSpPr>
+        <p:spPr/>
+        <p:txBody>
+          <a:bodyPr/>
+          <a:lstStyle/>
+          <a:p>
+            <a:r>
+              <a:rPr kumimoji="1" lang="ja-JP" altLang="en-US" dirty="0" smtClean="0"/>
+              <a:t>今後の方針</a:t>
+            </a:r>
+            <a:endParaRPr kumimoji="1" lang="ja-JP" altLang="en-US" dirty="0"/>
+          </a:p>
+        </p:txBody>
+      </p:sp>
+      <p:sp>
+        <p:nvSpPr>
+          <p:cNvPr id="3" name="コンテンツ プレースホルダー 2"/>
+          <p:cNvSpPr>
+            <a:spLocks noGrp="1"/>
+          </p:cNvSpPr>
+          <p:nvPr>
+            <p:ph idx="1"/>
+          </p:nvPr>
+        </p:nvSpPr>
+        <p:spPr/>
+        <p:txBody>
+          <a:bodyPr/>
+          <a:lstStyle/>
+          <a:p>
+            <a:pPr>
+              <a:buClr>
+                <a:schemeClr val="accent1">
+                  <a:lumMod val="50000"/>
+                </a:schemeClr>
+              </a:buClr>
+              <a:buFont typeface="Wingdings" panose="05000000000000000000" pitchFamily="2" charset="2"/>
+              <a:buChar char="n"/>
+            </a:pPr>
+            <a:r>
+              <a:rPr lang="ja-JP" altLang="en-US" dirty="0" smtClean="0"/>
+              <a:t>ラベル付けアルゴリズムの改良</a:t>
+            </a:r>
+            <a:endParaRPr lang="en-US" altLang="ja-JP" dirty="0" smtClean="0"/>
+          </a:p>
+          <a:p>
+            <a:pPr>
+              <a:buClr>
+                <a:schemeClr val="accent1">
+                  <a:lumMod val="50000"/>
+                </a:schemeClr>
+              </a:buClr>
+              <a:buFont typeface="Wingdings" panose="05000000000000000000" pitchFamily="2" charset="2"/>
+              <a:buChar char="n"/>
+            </a:pPr>
+            <a:r>
+              <a:rPr kumimoji="1" lang="en-US" altLang="ja-JP" dirty="0" smtClean="0"/>
+              <a:t>Android</a:t>
+            </a:r>
+            <a:r>
+              <a:rPr kumimoji="1" lang="ja-JP" altLang="en-US" dirty="0" smtClean="0"/>
+              <a:t>アプリ</a:t>
+            </a:r>
+            <a:r>
+              <a:rPr lang="ja-JP" altLang="en-US" dirty="0" smtClean="0"/>
+              <a:t>として実装</a:t>
+            </a:r>
+            <a:endParaRPr kumimoji="1" lang="en-US" altLang="ja-JP" dirty="0" smtClean="0"/>
+          </a:p>
+        </p:txBody>
+      </p:sp>
+    </p:spTree>
+    <p:extLst>
+      <p:ext uri="{BB962C8B-B14F-4D97-AF65-F5344CB8AC3E}">
+        <p14:creationId xmlns:p14="http://schemas.microsoft.com/office/powerpoint/2010/main" val="443114958"/>
       </p:ext>
     </p:extLst>
   </p:cSld>
@@ -21933,7 +24306,6 @@
               <a:rPr lang="ja-JP" altLang="en-US" sz="2800" dirty="0"/>
               <a:t>磁石からの距離と磁束密度の関係</a:t>
             </a:r>
-            <a:endParaRPr lang="ja-JP" altLang="en-US" sz="2800" dirty="0"/>
           </a:p>
         </p:txBody>
       </p:sp>
@@ -23306,11 +25678,7 @@
             <a:p>
               <a:r>
                 <a:rPr lang="en-US" altLang="ja-JP" dirty="0"/>
-                <a:t>5</a:t>
-              </a:r>
-              <a:r>
-                <a:rPr lang="en-US" altLang="ja-JP" dirty="0"/>
-                <a:t>Hz</a:t>
+                <a:t>5Hz</a:t>
               </a:r>
               <a:endParaRPr lang="ja-JP" altLang="en-US" dirty="0"/>
             </a:p>

--- a/ppt/中間発表用資料.pptx
+++ b/ppt/中間発表用資料.pptx
@@ -3893,11 +3893,11 @@
         </c:dLbls>
         <c:marker val="1"/>
         <c:smooth val="0"/>
-        <c:axId val="253500472"/>
-        <c:axId val="254572896"/>
+        <c:axId val="272736312"/>
+        <c:axId val="272737488"/>
       </c:lineChart>
       <c:catAx>
-        <c:axId val="253500472"/>
+        <c:axId val="272736312"/>
         <c:scaling>
           <c:orientation val="minMax"/>
         </c:scaling>
@@ -3934,6 +3934,7 @@
               </a:p>
             </c:rich>
           </c:tx>
+          <c:layout/>
           <c:overlay val="0"/>
           <c:spPr>
             <a:noFill/>
@@ -4000,7 +4001,7 @@
             <a:endParaRPr lang="ja-JP"/>
           </a:p>
         </c:txPr>
-        <c:crossAx val="254572896"/>
+        <c:crossAx val="272737488"/>
         <c:crosses val="autoZero"/>
         <c:auto val="1"/>
         <c:lblAlgn val="ctr"/>
@@ -4009,7 +4010,7 @@
         <c:noMultiLvlLbl val="0"/>
       </c:catAx>
       <c:valAx>
-        <c:axId val="254572896"/>
+        <c:axId val="272737488"/>
         <c:scaling>
           <c:orientation val="minMax"/>
         </c:scaling>
@@ -4068,6 +4069,7 @@
               </a:p>
             </c:rich>
           </c:tx>
+          <c:layout/>
           <c:overlay val="0"/>
           <c:spPr>
             <a:noFill/>
@@ -4128,7 +4130,7 @@
             <a:endParaRPr lang="ja-JP"/>
           </a:p>
         </c:txPr>
-        <c:crossAx val="253500472"/>
+        <c:crossAx val="272736312"/>
         <c:crosses val="autoZero"/>
         <c:crossBetween val="between"/>
       </c:valAx>
@@ -4416,11 +4418,11 @@
         </c:dLbls>
         <c:gapWidth val="219"/>
         <c:overlap val="-27"/>
-        <c:axId val="255024712"/>
-        <c:axId val="254626544"/>
+        <c:axId val="272733568"/>
+        <c:axId val="272734744"/>
       </c:barChart>
       <c:catAx>
-        <c:axId val="255024712"/>
+        <c:axId val="272733568"/>
         <c:scaling>
           <c:orientation val="minMax"/>
         </c:scaling>
@@ -4457,6 +4459,7 @@
               </a:p>
             </c:rich>
           </c:tx>
+          <c:layout/>
           <c:overlay val="0"/>
           <c:spPr>
             <a:noFill/>
@@ -4523,7 +4526,7 @@
             <a:endParaRPr lang="ja-JP"/>
           </a:p>
         </c:txPr>
-        <c:crossAx val="254626544"/>
+        <c:crossAx val="272734744"/>
         <c:crosses val="autoZero"/>
         <c:auto val="1"/>
         <c:lblAlgn val="ctr"/>
@@ -4532,7 +4535,7 @@
         <c:noMultiLvlLbl val="0"/>
       </c:catAx>
       <c:valAx>
-        <c:axId val="254626544"/>
+        <c:axId val="272734744"/>
         <c:scaling>
           <c:orientation val="minMax"/>
         </c:scaling>
@@ -4583,6 +4586,7 @@
               </a:p>
             </c:rich>
           </c:tx>
+          <c:layout/>
           <c:overlay val="0"/>
           <c:spPr>
             <a:noFill/>
@@ -4643,7 +4647,7 @@
             <a:endParaRPr lang="ja-JP"/>
           </a:p>
         </c:txPr>
-        <c:crossAx val="255024712"/>
+        <c:crossAx val="272733568"/>
         <c:crosses val="autoZero"/>
         <c:crossBetween val="between"/>
       </c:valAx>
@@ -10213,7 +10217,7 @@
         </p:nvGraphicFramePr>
         <p:xfrm>
           <a:off x="5047810" y="-44783"/>
-          <a:ext cx="4506687" cy="2123440"/>
+          <a:ext cx="4506687" cy="1986280"/>
         </p:xfrm>
         <a:graphic>
           <a:graphicData uri="http://schemas.openxmlformats.org/drawingml/2006/table">
@@ -11718,8 +11722,8 @@
         </p:blipFill>
         <p:spPr>
           <a:xfrm>
-            <a:off x="5963393" y="1128486"/>
-            <a:ext cx="5994401" cy="5116287"/>
+            <a:off x="7317828" y="2284511"/>
+            <a:ext cx="4639966" cy="3960262"/>
           </a:xfrm>
           <a:prstGeom prst="rect">
             <a:avLst/>
@@ -11747,7 +11751,7 @@
         </p:blipFill>
         <p:spPr>
           <a:xfrm rot="5400000">
-            <a:off x="3740415" y="1019191"/>
+            <a:off x="413378" y="206004"/>
             <a:ext cx="5010181" cy="5143500"/>
           </a:xfrm>
           <a:prstGeom prst="rect">
@@ -13354,22 +13358,24 @@
         </p:nvSpPr>
         <p:spPr/>
         <p:txBody>
-          <a:bodyPr/>
+          <a:bodyPr>
+            <a:normAutofit/>
+          </a:bodyPr>
           <a:lstStyle/>
           <a:p>
             <a:r>
-              <a:rPr lang="ja-JP" altLang="en-US" dirty="0" smtClean="0"/>
-              <a:t>通</a:t>
-            </a:r>
-            <a:r>
-              <a:rPr lang="ja-JP" altLang="en-US" dirty="0"/>
-              <a:t>過</a:t>
-            </a:r>
-            <a:r>
-              <a:rPr lang="ja-JP" altLang="en-US" dirty="0" smtClean="0"/>
-              <a:t>検出率の向上</a:t>
-            </a:r>
-            <a:endParaRPr kumimoji="1" lang="ja-JP" altLang="en-US" dirty="0"/>
+              <a:rPr lang="ja-JP" altLang="en-US" sz="5400" dirty="0" smtClean="0"/>
+              <a:t>通過検出</a:t>
+            </a:r>
+            <a:r>
+              <a:rPr lang="ja-JP" altLang="en-US" sz="5400" dirty="0"/>
+              <a:t>アルゴリズム</a:t>
+            </a:r>
+            <a:r>
+              <a:rPr lang="ja-JP" altLang="en-US" sz="5400" dirty="0" smtClean="0"/>
+              <a:t>の変更</a:t>
+            </a:r>
+            <a:endParaRPr kumimoji="1" lang="ja-JP" altLang="en-US" sz="5400" dirty="0"/>
           </a:p>
         </p:txBody>
       </p:sp>
@@ -13410,6 +13416,13 @@
   <p:clrMapOvr>
     <a:masterClrMapping/>
   </p:clrMapOvr>
+  <p:timing>
+    <p:tnLst>
+      <p:par>
+        <p:cTn id="1" dur="indefinite" restart="never" nodeType="tmRoot"/>
+      </p:par>
+    </p:tnLst>
+  </p:timing>
 </p:sld>
 </file>
 
@@ -14506,6 +14519,13 @@
   <p:clrMapOvr>
     <a:masterClrMapping/>
   </p:clrMapOvr>
+  <p:timing>
+    <p:tnLst>
+      <p:par>
+        <p:cTn id="1" dur="indefinite" restart="never" nodeType="tmRoot"/>
+      </p:par>
+    </p:tnLst>
+  </p:timing>
 </p:sld>
 </file>
 
@@ -14780,6 +14800,108 @@
           </a:p>
         </p:txBody>
       </p:sp>
+      <p:pic>
+        <p:nvPicPr>
+          <p:cNvPr id="8" name="図 7"/>
+          <p:cNvPicPr>
+            <a:picLocks noChangeAspect="1"/>
+          </p:cNvPicPr>
+          <p:nvPr/>
+        </p:nvPicPr>
+        <p:blipFill rotWithShape="1">
+          <a:blip r:embed="rId4" cstate="print">
+            <a:extLst>
+              <a:ext uri="{28A0092B-C50C-407E-A947-70E740481C1C}">
+                <a14:useLocalDpi xmlns:a14="http://schemas.microsoft.com/office/drawing/2010/main" val="0"/>
+              </a:ext>
+            </a:extLst>
+          </a:blip>
+          <a:srcRect l="26944"/>
+          <a:stretch/>
+        </p:blipFill>
+        <p:spPr>
+          <a:xfrm rot="5400000">
+            <a:off x="8816063" y="3623360"/>
+            <a:ext cx="2846883" cy="2922637"/>
+          </a:xfrm>
+          <a:prstGeom prst="rect">
+            <a:avLst/>
+          </a:prstGeom>
+        </p:spPr>
+      </p:pic>
+      <p:cxnSp>
+        <p:nvCxnSpPr>
+          <p:cNvPr id="6" name="直線矢印コネクタ 5"/>
+          <p:cNvCxnSpPr/>
+          <p:nvPr/>
+        </p:nvCxnSpPr>
+        <p:spPr>
+          <a:xfrm>
+            <a:off x="9246415" y="4089197"/>
+            <a:ext cx="29261" cy="2418923"/>
+          </a:xfrm>
+          <a:prstGeom prst="straightConnector1">
+            <a:avLst/>
+          </a:prstGeom>
+          <a:ln w="76200">
+            <a:solidFill>
+              <a:srgbClr val="FFFF00"/>
+            </a:solidFill>
+            <a:headEnd type="triangle"/>
+            <a:tailEnd type="triangle"/>
+          </a:ln>
+        </p:spPr>
+        <p:style>
+          <a:lnRef idx="1">
+            <a:schemeClr val="accent1"/>
+          </a:lnRef>
+          <a:fillRef idx="0">
+            <a:schemeClr val="accent1"/>
+          </a:fillRef>
+          <a:effectRef idx="0">
+            <a:schemeClr val="accent1"/>
+          </a:effectRef>
+          <a:fontRef idx="minor">
+            <a:schemeClr val="tx1"/>
+          </a:fontRef>
+        </p:style>
+      </p:cxnSp>
+      <p:sp>
+        <p:nvSpPr>
+          <p:cNvPr id="10" name="テキスト ボックス 9"/>
+          <p:cNvSpPr txBox="1"/>
+          <p:nvPr/>
+        </p:nvSpPr>
+        <p:spPr>
+          <a:xfrm>
+            <a:off x="9340432" y="5193792"/>
+            <a:ext cx="649537" cy="369332"/>
+          </a:xfrm>
+          <a:prstGeom prst="rect">
+            <a:avLst/>
+          </a:prstGeom>
+          <a:solidFill>
+            <a:schemeClr val="bg1"/>
+          </a:solidFill>
+        </p:spPr>
+        <p:txBody>
+          <a:bodyPr wrap="none" rtlCol="0">
+            <a:spAutoFit/>
+          </a:bodyPr>
+          <a:lstStyle/>
+          <a:p>
+            <a:r>
+              <a:rPr lang="en-US" altLang="ja-JP" dirty="0" smtClean="0"/>
+              <a:t>90</a:t>
+            </a:r>
+            <a:r>
+              <a:rPr kumimoji="1" lang="ja-JP" altLang="en-US" dirty="0" smtClean="0"/>
+              <a:t>㎝</a:t>
+            </a:r>
+            <a:endParaRPr kumimoji="1" lang="ja-JP" altLang="en-US" dirty="0"/>
+          </a:p>
+        </p:txBody>
+      </p:sp>
     </p:spTree>
     <p:extLst>
       <p:ext uri="{BB962C8B-B14F-4D97-AF65-F5344CB8AC3E}">
@@ -14790,6 +14912,13 @@
   <p:clrMapOvr>
     <a:masterClrMapping/>
   </p:clrMapOvr>
+  <p:timing>
+    <p:tnLst>
+      <p:par>
+        <p:cTn id="1" dur="indefinite" restart="never" nodeType="tmRoot"/>
+      </p:par>
+    </p:tnLst>
+  </p:timing>
 </p:sld>
 </file>
 
@@ -15094,6 +15223,13 @@
   <p:clrMapOvr>
     <a:masterClrMapping/>
   </p:clrMapOvr>
+  <p:timing>
+    <p:tnLst>
+      <p:par>
+        <p:cTn id="1" dur="indefinite" restart="never" nodeType="tmRoot"/>
+      </p:par>
+    </p:tnLst>
+  </p:timing>
 </p:sld>
 </file>
 
@@ -16329,6 +16465,13 @@
   <p:clrMapOvr>
     <a:masterClrMapping/>
   </p:clrMapOvr>
+  <p:timing>
+    <p:tnLst>
+      <p:par>
+        <p:cTn id="1" dur="indefinite" restart="never" nodeType="tmRoot"/>
+      </p:par>
+    </p:tnLst>
+  </p:timing>
 </p:sld>
 </file>
 
@@ -16436,7 +16579,31 @@
             </a:r>
             <a:r>
               <a:rPr lang="ja-JP" altLang="en-US" sz="3200" dirty="0" smtClean="0"/>
-              <a:t>検出を通過方向検出とは別で行う</a:t>
+              <a:t>検出</a:t>
+            </a:r>
+            <a:r>
+              <a:rPr lang="ja-JP" altLang="en-US" sz="3200" dirty="0" smtClean="0"/>
+              <a:t>を</a:t>
+            </a:r>
+            <a:r>
+              <a:rPr lang="ja-JP" altLang="en-US" sz="3200" dirty="0" smtClean="0"/>
+              <a:t>通過位置検出と</a:t>
+            </a:r>
+            <a:r>
+              <a:rPr lang="ja-JP" altLang="en-US" sz="3200" dirty="0" smtClean="0"/>
+              <a:t>通過</a:t>
+            </a:r>
+            <a:r>
+              <a:rPr lang="ja-JP" altLang="en-US" sz="3200" dirty="0" smtClean="0"/>
+              <a:t>方向検出とは</a:t>
+            </a:r>
+            <a:r>
+              <a:rPr lang="ja-JP" altLang="en-US" sz="3200" dirty="0" smtClean="0"/>
+              <a:t>別</a:t>
+            </a:r>
+            <a:r>
+              <a:rPr lang="ja-JP" altLang="en-US" sz="3200" dirty="0"/>
+              <a:t>に</a:t>
             </a:r>
             <a:endParaRPr lang="en-US" altLang="ja-JP" sz="3200" dirty="0"/>
           </a:p>
@@ -16512,6 +16679,13 @@
   <p:clrMapOvr>
     <a:masterClrMapping/>
   </p:clrMapOvr>
+  <p:timing>
+    <p:tnLst>
+      <p:par>
+        <p:cTn id="1" dur="indefinite" restart="never" nodeType="tmRoot"/>
+      </p:par>
+    </p:tnLst>
+  </p:timing>
 </p:sld>
 </file>
 
@@ -16610,16 +16784,8 @@
               <a:buChar char="n"/>
             </a:pPr>
             <a:r>
-              <a:rPr lang="ja-JP" altLang="en-US" sz="3200" dirty="0" smtClean="0"/>
-              <a:t>通過検</a:t>
-            </a:r>
-            <a:r>
               <a:rPr lang="ja-JP" altLang="en-US" sz="3200" dirty="0"/>
-              <a:t>出を通過方向検出とは別で</a:t>
-            </a:r>
-            <a:r>
-              <a:rPr lang="ja-JP" altLang="en-US" sz="3200" dirty="0" smtClean="0"/>
-              <a:t>行う</a:t>
+              <a:t>通過検出を通過位置検出と通過方向検出とは別に</a:t>
             </a:r>
             <a:endParaRPr lang="en-US" altLang="ja-JP" sz="3200" dirty="0"/>
           </a:p>
@@ -16741,6 +16907,13 @@
   <p:clrMapOvr>
     <a:masterClrMapping/>
   </p:clrMapOvr>
+  <p:timing>
+    <p:tnLst>
+      <p:par>
+        <p:cTn id="1" dur="indefinite" restart="never" nodeType="tmRoot"/>
+      </p:par>
+    </p:tnLst>
+  </p:timing>
 </p:sld>
 </file>
 
@@ -17833,6 +18006,13 @@
   <p:clrMapOvr>
     <a:masterClrMapping/>
   </p:clrMapOvr>
+  <p:timing>
+    <p:tnLst>
+      <p:par>
+        <p:cTn id="1" dur="indefinite" restart="never" nodeType="tmRoot"/>
+      </p:par>
+    </p:tnLst>
+  </p:timing>
 </p:sld>
 </file>
 
@@ -19122,6 +19302,13 @@
   <p:clrMapOvr>
     <a:masterClrMapping/>
   </p:clrMapOvr>
+  <p:timing>
+    <p:tnLst>
+      <p:par>
+        <p:cTn id="1" dur="indefinite" restart="never" nodeType="tmRoot"/>
+      </p:par>
+    </p:tnLst>
+  </p:timing>
 </p:sld>
 </file>
 
@@ -19964,6 +20151,13 @@
   <p:clrMapOvr>
     <a:masterClrMapping/>
   </p:clrMapOvr>
+  <p:timing>
+    <p:tnLst>
+      <p:par>
+        <p:cTn id="1" dur="indefinite" restart="never" nodeType="tmRoot"/>
+      </p:par>
+    </p:tnLst>
+  </p:timing>
 </p:sld>
 </file>
 
@@ -20117,11 +20311,7 @@
                       <a:pPr algn="ctr"/>
                       <a:r>
                         <a:rPr kumimoji="1" lang="ja-JP" altLang="en-US" sz="4400" dirty="0" smtClean="0"/>
-                        <a:t>通過</a:t>
-                      </a:r>
-                      <a:r>
-                        <a:rPr kumimoji="1" lang="ja-JP" altLang="en-US" sz="4400" dirty="0" smtClean="0"/>
-                        <a:t>検出率</a:t>
+                        <a:t>通過検出率</a:t>
                       </a:r>
                       <a:r>
                         <a:rPr kumimoji="1" lang="en-US" altLang="ja-JP" sz="4400" dirty="0" smtClean="0"/>
@@ -20843,6 +21033,13 @@
   <p:clrMapOvr>
     <a:masterClrMapping/>
   </p:clrMapOvr>
+  <p:timing>
+    <p:tnLst>
+      <p:par>
+        <p:cTn id="1" dur="indefinite" restart="never" nodeType="tmRoot"/>
+      </p:par>
+    </p:tnLst>
+  </p:timing>
 </p:sld>
 </file>
 
@@ -21072,6 +21269,13 @@
   <p:clrMapOvr>
     <a:masterClrMapping/>
   </p:clrMapOvr>
+  <p:timing>
+    <p:tnLst>
+      <p:par>
+        <p:cTn id="1" dur="indefinite" restart="never" nodeType="tmRoot"/>
+      </p:par>
+    </p:tnLst>
+  </p:timing>
 </p:sld>
 </file>
 
@@ -21401,6 +21605,13 @@
   <p:clrMapOvr>
     <a:masterClrMapping/>
   </p:clrMapOvr>
+  <p:timing>
+    <p:tnLst>
+      <p:par>
+        <p:cTn id="1" dur="indefinite" restart="never" nodeType="tmRoot"/>
+      </p:par>
+    </p:tnLst>
+  </p:timing>
 </p:sld>
 </file>
 
@@ -21703,6 +21914,13 @@
   <p:clrMapOvr>
     <a:masterClrMapping/>
   </p:clrMapOvr>
+  <p:timing>
+    <p:tnLst>
+      <p:par>
+        <p:cTn id="1" dur="indefinite" restart="never" nodeType="tmRoot"/>
+      </p:par>
+    </p:tnLst>
+  </p:timing>
 </p:sld>
 </file>
 
@@ -23288,6 +23506,13 @@
   <p:clrMapOvr>
     <a:masterClrMapping/>
   </p:clrMapOvr>
+  <p:timing>
+    <p:tnLst>
+      <p:par>
+        <p:cTn id="1" dur="indefinite" restart="never" nodeType="tmRoot"/>
+      </p:par>
+    </p:tnLst>
+  </p:timing>
 </p:sld>
 </file>
 
@@ -23590,6 +23815,13 @@
   <p:clrMapOvr>
     <a:masterClrMapping/>
   </p:clrMapOvr>
+  <p:timing>
+    <p:tnLst>
+      <p:par>
+        <p:cTn id="1" dur="indefinite" restart="never" nodeType="tmRoot"/>
+      </p:par>
+    </p:tnLst>
+  </p:timing>
 </p:sld>
 </file>
 
@@ -23767,6 +23999,13 @@
   <p:clrMapOvr>
     <a:masterClrMapping/>
   </p:clrMapOvr>
+  <p:timing>
+    <p:tnLst>
+      <p:par>
+        <p:cTn id="1" dur="indefinite" restart="never" nodeType="tmRoot"/>
+      </p:par>
+    </p:tnLst>
+  </p:timing>
 </p:sld>
 </file>
 
@@ -23836,7 +24075,11 @@
             </a:pPr>
             <a:r>
               <a:rPr kumimoji="1" lang="ja-JP" altLang="en-US" dirty="0" smtClean="0"/>
-              <a:t>閾値の変更</a:t>
+              <a:t>通過位置検出</a:t>
+            </a:r>
+            <a:r>
+              <a:rPr lang="ja-JP" altLang="en-US" dirty="0" smtClean="0"/>
+              <a:t>と通過方向検出を行う</a:t>
             </a:r>
             <a:endParaRPr kumimoji="1" lang="en-US" altLang="ja-JP" dirty="0" smtClean="0"/>
           </a:p>
@@ -23849,10 +24092,14 @@
               <a:buChar char="n"/>
             </a:pPr>
             <a:r>
-              <a:rPr lang="ja-JP" altLang="en-US" dirty="0" smtClean="0"/>
-              <a:t>固定値でなく観測した値から決定</a:t>
-            </a:r>
-            <a:endParaRPr lang="en-US" altLang="ja-JP" dirty="0" smtClean="0"/>
+              <a:rPr kumimoji="1" lang="ja-JP" altLang="en-US" dirty="0" smtClean="0"/>
+              <a:t>閾値</a:t>
+            </a:r>
+            <a:r>
+              <a:rPr kumimoji="1" lang="ja-JP" altLang="en-US" dirty="0" smtClean="0"/>
+              <a:t>の変更</a:t>
+            </a:r>
+            <a:endParaRPr kumimoji="1" lang="en-US" altLang="ja-JP" dirty="0" smtClean="0"/>
           </a:p>
           <a:p>
             <a:pPr lvl="2">
@@ -23866,7 +24113,49 @@
             </a:pPr>
             <a:r>
               <a:rPr lang="ja-JP" altLang="en-US" dirty="0" smtClean="0"/>
+              <a:t>固定値でなく観測した値から決定</a:t>
+            </a:r>
+            <a:endParaRPr lang="en-US" altLang="ja-JP" dirty="0" smtClean="0"/>
+          </a:p>
+          <a:p>
+            <a:pPr lvl="3">
+              <a:buClr>
+                <a:schemeClr val="accent1"/>
+              </a:buClr>
+              <a:buFont typeface="Wingdings" panose="05000000000000000000" pitchFamily="2" charset="2"/>
+              <a:buChar char="p"/>
+            </a:pPr>
+            <a:r>
+              <a:rPr lang="ja-JP" altLang="en-US" dirty="0" smtClean="0"/>
               <a:t>平均値を超えるか</a:t>
+            </a:r>
+            <a:endParaRPr lang="en-US" altLang="ja-JP" dirty="0" smtClean="0"/>
+          </a:p>
+          <a:p>
+            <a:pPr lvl="3">
+              <a:buClr>
+                <a:schemeClr val="accent1"/>
+              </a:buClr>
+              <a:buFont typeface="Wingdings" panose="05000000000000000000" pitchFamily="2" charset="2"/>
+              <a:buChar char="p"/>
+            </a:pPr>
+            <a:r>
+              <a:rPr lang="ja-JP" altLang="en-US" dirty="0" smtClean="0"/>
+              <a:t>歩行データを参考に決定</a:t>
+            </a:r>
+            <a:endParaRPr lang="en-US" altLang="ja-JP" dirty="0" smtClean="0"/>
+          </a:p>
+          <a:p>
+            <a:pPr lvl="1">
+              <a:buClr>
+                <a:schemeClr val="accent1"/>
+              </a:buClr>
+              <a:buFont typeface="Wingdings" panose="05000000000000000000" pitchFamily="2" charset="2"/>
+              <a:buChar char="n"/>
+            </a:pPr>
+            <a:r>
+              <a:rPr lang="ja-JP" altLang="en-US" dirty="0" smtClean="0"/>
+              <a:t>通過を検出したら必ずラベル付けを行う</a:t>
             </a:r>
             <a:endParaRPr lang="en-US" altLang="ja-JP" dirty="0" smtClean="0"/>
           </a:p>
@@ -23882,47 +24171,19 @@
             </a:pPr>
             <a:r>
               <a:rPr lang="ja-JP" altLang="en-US" dirty="0" smtClean="0"/>
-              <a:t>歩行データを参考に決定</a:t>
-            </a:r>
-            <a:endParaRPr lang="en-US" altLang="ja-JP" dirty="0" smtClean="0"/>
-          </a:p>
-          <a:p>
-            <a:pPr>
+              <a:t>閾値でなく、一番高いスペクトルを持つ周波数でラベル付け</a:t>
+            </a:r>
+            <a:endParaRPr lang="en-US" altLang="ja-JP" dirty="0"/>
+          </a:p>
+          <a:p>
+            <a:pPr lvl="2">
               <a:buClr>
                 <a:schemeClr val="accent1">
                   <a:lumMod val="50000"/>
                 </a:schemeClr>
               </a:buClr>
               <a:buFont typeface="Wingdings" panose="05000000000000000000" pitchFamily="2" charset="2"/>
-              <a:buChar char="n"/>
-            </a:pPr>
-            <a:r>
-              <a:rPr lang="ja-JP" altLang="en-US" dirty="0" smtClean="0"/>
-              <a:t>通過を検出したら必ずラベル付けを行う</a:t>
-            </a:r>
-            <a:endParaRPr lang="en-US" altLang="ja-JP" dirty="0" smtClean="0"/>
-          </a:p>
-          <a:p>
-            <a:pPr lvl="1">
-              <a:buClr>
-                <a:schemeClr val="accent1"/>
-              </a:buClr>
-              <a:buFont typeface="Wingdings" panose="05000000000000000000" pitchFamily="2" charset="2"/>
-              <a:buChar char="n"/>
-            </a:pPr>
-            <a:r>
-              <a:rPr lang="ja-JP" altLang="en-US" dirty="0" smtClean="0"/>
-              <a:t>閾値でなく、一番高いスペクトルを持つ周波数でラベル付け</a:t>
-            </a:r>
-            <a:endParaRPr lang="en-US" altLang="ja-JP" dirty="0"/>
-          </a:p>
-          <a:p>
-            <a:pPr lvl="1">
-              <a:buClr>
-                <a:schemeClr val="accent1"/>
-              </a:buClr>
-              <a:buFont typeface="Wingdings" panose="05000000000000000000" pitchFamily="2" charset="2"/>
-              <a:buChar char="n"/>
+              <a:buChar char="p"/>
             </a:pPr>
             <a:r>
               <a:rPr lang="ja-JP" altLang="en-US" dirty="0" smtClean="0"/>
@@ -23966,6 +24227,13 @@
   <p:clrMapOvr>
     <a:masterClrMapping/>
   </p:clrMapOvr>
+  <p:timing>
+    <p:tnLst>
+      <p:par>
+        <p:cTn id="1" dur="indefinite" restart="never" nodeType="tmRoot"/>
+      </p:par>
+    </p:tnLst>
+  </p:timing>
 </p:sld>
 </file>
 
@@ -24075,6 +24343,13 @@
   <p:clrMapOvr>
     <a:masterClrMapping/>
   </p:clrMapOvr>
+  <p:timing>
+    <p:tnLst>
+      <p:par>
+        <p:cTn id="1" dur="indefinite" restart="never" nodeType="tmRoot"/>
+      </p:par>
+    </p:tnLst>
+  </p:timing>
 </p:sld>
 </file>
 
